--- a/Team Cinco.pptx
+++ b/Team Cinco.pptx
@@ -21,22 +21,10 @@
     <p:sldId id="294" r:id="rId15"/>
     <p:sldId id="305" r:id="rId16"/>
     <p:sldId id="307" r:id="rId17"/>
-    <p:sldId id="290" r:id="rId18"/>
-    <p:sldId id="308" r:id="rId19"/>
-    <p:sldId id="279" r:id="rId20"/>
-    <p:sldId id="267" r:id="rId21"/>
-    <p:sldId id="309" r:id="rId22"/>
-    <p:sldId id="282" r:id="rId23"/>
-    <p:sldId id="283" r:id="rId24"/>
-    <p:sldId id="284" r:id="rId25"/>
-    <p:sldId id="285" r:id="rId26"/>
-    <p:sldId id="280" r:id="rId27"/>
-    <p:sldId id="271" r:id="rId28"/>
-    <p:sldId id="272" r:id="rId29"/>
-    <p:sldId id="273" r:id="rId30"/>
-    <p:sldId id="289" r:id="rId31"/>
-    <p:sldId id="278" r:id="rId32"/>
-    <p:sldId id="270" r:id="rId33"/>
+    <p:sldId id="309" r:id="rId18"/>
+    <p:sldId id="290" r:id="rId19"/>
+    <p:sldId id="308" r:id="rId20"/>
+    <p:sldId id="279" r:id="rId21"/>
   </p:sldIdLst>
   <p:sldSz cx="12192000" cy="6858000"/>
   <p:notesSz cx="6858000" cy="9144000"/>
@@ -7032,671 +7020,6 @@
           <p:cNvPr id="2" name="Title 1">
             <a:extLst>
               <a:ext uri="{FF2B5EF4-FFF2-40B4-BE49-F238E27FC236}">
-                <a16:creationId xmlns:a16="http://schemas.microsoft.com/office/drawing/2014/main" id="{1A14BB60-59D9-4529-B7A4-012EC83E37B1}"/>
-              </a:ext>
-            </a:extLst>
-          </p:cNvPr>
-          <p:cNvSpPr>
-            <a:spLocks noGrp="1"/>
-          </p:cNvSpPr>
-          <p:nvPr>
-            <p:ph type="title"/>
-          </p:nvPr>
-        </p:nvSpPr>
-        <p:spPr/>
-        <p:txBody>
-          <a:bodyPr/>
-          <a:lstStyle/>
-          <a:p>
-            <a:r>
-              <a:rPr lang="en-US" dirty="0"/>
-              <a:t>Post Mortem</a:t>
-            </a:r>
-          </a:p>
-        </p:txBody>
-      </p:sp>
-      <p:sp>
-        <p:nvSpPr>
-          <p:cNvPr id="3" name="Content Placeholder 2">
-            <a:extLst>
-              <a:ext uri="{FF2B5EF4-FFF2-40B4-BE49-F238E27FC236}">
-                <a16:creationId xmlns:a16="http://schemas.microsoft.com/office/drawing/2014/main" id="{AB18F305-CF38-49B4-9F64-654566125DC5}"/>
-              </a:ext>
-            </a:extLst>
-          </p:cNvPr>
-          <p:cNvSpPr>
-            <a:spLocks noGrp="1"/>
-          </p:cNvSpPr>
-          <p:nvPr>
-            <p:ph idx="1"/>
-          </p:nvPr>
-        </p:nvSpPr>
-        <p:spPr/>
-        <p:txBody>
-          <a:bodyPr/>
-          <a:lstStyle/>
-          <a:p>
-            <a:r>
-              <a:rPr lang="en-US" dirty="0"/>
-              <a:t>What would we research next or more in detail if we had more time?</a:t>
-            </a:r>
-          </a:p>
-          <a:p>
-            <a:pPr lvl="1"/>
-            <a:r>
-              <a:rPr lang="en-US" dirty="0"/>
-              <a:t>More cities?</a:t>
-            </a:r>
-          </a:p>
-          <a:p>
-            <a:pPr lvl="1"/>
-            <a:r>
-              <a:rPr lang="en-US" dirty="0"/>
-              <a:t>Breakdown zip codes in each city?</a:t>
-            </a:r>
-          </a:p>
-          <a:p>
-            <a:pPr lvl="1"/>
-            <a:r>
-              <a:rPr lang="en-US" dirty="0"/>
-              <a:t>Examine outliers (great sales weekends vs slow seasons)?</a:t>
-            </a:r>
-          </a:p>
-          <a:p>
-            <a:pPr lvl="1"/>
-            <a:r>
-              <a:rPr lang="en-US" dirty="0"/>
-              <a:t>Long term rental markets return on investment</a:t>
-            </a:r>
-          </a:p>
-          <a:p>
-            <a:pPr lvl="1"/>
-            <a:r>
-              <a:rPr lang="en-US" dirty="0"/>
-              <a:t>Exit strategy or ability to sell quickly and at what value?</a:t>
-            </a:r>
-          </a:p>
-          <a:p>
-            <a:pPr lvl="1"/>
-            <a:endParaRPr lang="en-US" dirty="0"/>
-          </a:p>
-        </p:txBody>
-      </p:sp>
-    </p:spTree>
-    <p:extLst>
-      <p:ext uri="{BB962C8B-B14F-4D97-AF65-F5344CB8AC3E}">
-        <p14:creationId xmlns:p14="http://schemas.microsoft.com/office/powerpoint/2010/main" val="2971947493"/>
-      </p:ext>
-    </p:extLst>
-  </p:cSld>
-  <p:clrMapOvr>
-    <a:masterClrMapping/>
-  </p:clrMapOvr>
-</p:sld>
-</file>
-
-<file path=ppt/slides/slide18.xml><?xml version="1.0" encoding="utf-8"?>
-<p:sld xmlns:a="http://schemas.openxmlformats.org/drawingml/2006/main" xmlns:r="http://schemas.openxmlformats.org/officeDocument/2006/relationships" xmlns:p="http://schemas.openxmlformats.org/presentationml/2006/main">
-  <p:cSld>
-    <p:spTree>
-      <p:nvGrpSpPr>
-        <p:cNvPr id="1" name=""/>
-        <p:cNvGrpSpPr/>
-        <p:nvPr/>
-      </p:nvGrpSpPr>
-      <p:grpSpPr>
-        <a:xfrm>
-          <a:off x="0" y="0"/>
-          <a:ext cx="0" cy="0"/>
-          <a:chOff x="0" y="0"/>
-          <a:chExt cx="0" cy="0"/>
-        </a:xfrm>
-      </p:grpSpPr>
-      <p:sp>
-        <p:nvSpPr>
-          <p:cNvPr id="2" name="Title 1">
-            <a:extLst>
-              <a:ext uri="{FF2B5EF4-FFF2-40B4-BE49-F238E27FC236}">
-                <a16:creationId xmlns:a16="http://schemas.microsoft.com/office/drawing/2014/main" id="{C0AEC2A5-0B5E-4B70-AD8B-A4B00FB9CBFE}"/>
-              </a:ext>
-            </a:extLst>
-          </p:cNvPr>
-          <p:cNvSpPr>
-            <a:spLocks noGrp="1"/>
-          </p:cNvSpPr>
-          <p:nvPr>
-            <p:ph type="title"/>
-          </p:nvPr>
-        </p:nvSpPr>
-        <p:spPr/>
-        <p:txBody>
-          <a:bodyPr/>
-          <a:lstStyle/>
-          <a:p>
-            <a:r>
-              <a:rPr lang="en-US" dirty="0"/>
-              <a:t>Questions &amp; Answers</a:t>
-            </a:r>
-          </a:p>
-        </p:txBody>
-      </p:sp>
-      <p:sp>
-        <p:nvSpPr>
-          <p:cNvPr id="3" name="Content Placeholder 2">
-            <a:extLst>
-              <a:ext uri="{FF2B5EF4-FFF2-40B4-BE49-F238E27FC236}">
-                <a16:creationId xmlns:a16="http://schemas.microsoft.com/office/drawing/2014/main" id="{5215438B-8739-40C5-9DAA-00E2EE80436A}"/>
-              </a:ext>
-            </a:extLst>
-          </p:cNvPr>
-          <p:cNvSpPr>
-            <a:spLocks noGrp="1"/>
-          </p:cNvSpPr>
-          <p:nvPr>
-            <p:ph idx="1"/>
-          </p:nvPr>
-        </p:nvSpPr>
-        <p:spPr/>
-        <p:txBody>
-          <a:bodyPr/>
-          <a:lstStyle/>
-          <a:p>
-            <a:endParaRPr lang="en-US" dirty="0"/>
-          </a:p>
-        </p:txBody>
-      </p:sp>
-    </p:spTree>
-    <p:extLst>
-      <p:ext uri="{BB962C8B-B14F-4D97-AF65-F5344CB8AC3E}">
-        <p14:creationId xmlns:p14="http://schemas.microsoft.com/office/powerpoint/2010/main" val="679744110"/>
-      </p:ext>
-    </p:extLst>
-  </p:cSld>
-  <p:clrMapOvr>
-    <a:masterClrMapping/>
-  </p:clrMapOvr>
-</p:sld>
-</file>
-
-<file path=ppt/slides/slide19.xml><?xml version="1.0" encoding="utf-8"?>
-<p:sld xmlns:a="http://schemas.openxmlformats.org/drawingml/2006/main" xmlns:r="http://schemas.openxmlformats.org/officeDocument/2006/relationships" xmlns:p="http://schemas.openxmlformats.org/presentationml/2006/main">
-  <p:cSld>
-    <p:spTree>
-      <p:nvGrpSpPr>
-        <p:cNvPr id="1" name=""/>
-        <p:cNvGrpSpPr/>
-        <p:nvPr/>
-      </p:nvGrpSpPr>
-      <p:grpSpPr>
-        <a:xfrm>
-          <a:off x="0" y="0"/>
-          <a:ext cx="0" cy="0"/>
-          <a:chOff x="0" y="0"/>
-          <a:chExt cx="0" cy="0"/>
-        </a:xfrm>
-      </p:grpSpPr>
-      <p:sp>
-        <p:nvSpPr>
-          <p:cNvPr id="2" name="Title 1">
-            <a:extLst>
-              <a:ext uri="{FF2B5EF4-FFF2-40B4-BE49-F238E27FC236}">
-                <a16:creationId xmlns:a16="http://schemas.microsoft.com/office/drawing/2014/main" id="{12B76908-2251-4011-AFC4-6E1C08D6D97F}"/>
-              </a:ext>
-            </a:extLst>
-          </p:cNvPr>
-          <p:cNvSpPr>
-            <a:spLocks noGrp="1"/>
-          </p:cNvSpPr>
-          <p:nvPr>
-            <p:ph type="title"/>
-          </p:nvPr>
-        </p:nvSpPr>
-        <p:spPr/>
-        <p:txBody>
-          <a:bodyPr/>
-          <a:lstStyle/>
-          <a:p>
-            <a:r>
-              <a:rPr lang="en-US" dirty="0"/>
-              <a:t>Resources</a:t>
-            </a:r>
-          </a:p>
-        </p:txBody>
-      </p:sp>
-      <p:sp>
-        <p:nvSpPr>
-          <p:cNvPr id="3" name="Content Placeholder 2">
-            <a:extLst>
-              <a:ext uri="{FF2B5EF4-FFF2-40B4-BE49-F238E27FC236}">
-                <a16:creationId xmlns:a16="http://schemas.microsoft.com/office/drawing/2014/main" id="{CB173D8F-D1B1-4CF9-B90C-AED3104C7DB4}"/>
-              </a:ext>
-            </a:extLst>
-          </p:cNvPr>
-          <p:cNvSpPr>
-            <a:spLocks noGrp="1"/>
-          </p:cNvSpPr>
-          <p:nvPr>
-            <p:ph idx="1"/>
-          </p:nvPr>
-        </p:nvSpPr>
-        <p:spPr/>
-        <p:txBody>
-          <a:bodyPr/>
-          <a:lstStyle/>
-          <a:p>
-            <a:r>
-              <a:rPr lang="en-US" dirty="0"/>
-              <a:t>Airbnb - </a:t>
-            </a:r>
-            <a:r>
-              <a:rPr lang="en-US" dirty="0">
-                <a:hlinkClick r:id="rId2"/>
-              </a:rPr>
-              <a:t>http://insideairbnb.com/get-the-data.html</a:t>
-            </a:r>
-            <a:r>
-              <a:rPr lang="en-US" dirty="0"/>
-              <a:t> </a:t>
-            </a:r>
-          </a:p>
-          <a:p>
-            <a:r>
-              <a:rPr lang="en-US" dirty="0"/>
-              <a:t>Realtor - </a:t>
-            </a:r>
-            <a:r>
-              <a:rPr lang="en-US" dirty="0">
-                <a:hlinkClick r:id="rId3"/>
-              </a:rPr>
-              <a:t>https://www.realtor.com/research/data/</a:t>
-            </a:r>
-            <a:endParaRPr lang="en-US" dirty="0"/>
-          </a:p>
-          <a:p>
-            <a:r>
-              <a:rPr lang="en-US" dirty="0"/>
-              <a:t>Jupyter Notebook - </a:t>
-            </a:r>
-            <a:r>
-              <a:rPr lang="en-US" dirty="0">
-                <a:hlinkClick r:id="rId4"/>
-              </a:rPr>
-              <a:t>https://github.com/chinosamg/Cinco</a:t>
-            </a:r>
-            <a:r>
-              <a:rPr lang="en-US" dirty="0"/>
-              <a:t> </a:t>
-            </a:r>
-          </a:p>
-          <a:p>
-            <a:endParaRPr lang="en-US" dirty="0"/>
-          </a:p>
-        </p:txBody>
-      </p:sp>
-    </p:spTree>
-    <p:extLst>
-      <p:ext uri="{BB962C8B-B14F-4D97-AF65-F5344CB8AC3E}">
-        <p14:creationId xmlns:p14="http://schemas.microsoft.com/office/powerpoint/2010/main" val="1099755793"/>
-      </p:ext>
-    </p:extLst>
-  </p:cSld>
-  <p:clrMapOvr>
-    <a:masterClrMapping/>
-  </p:clrMapOvr>
-</p:sld>
-</file>
-
-<file path=ppt/slides/slide2.xml><?xml version="1.0" encoding="utf-8"?>
-<p:sld xmlns:a="http://schemas.openxmlformats.org/drawingml/2006/main" xmlns:r="http://schemas.openxmlformats.org/officeDocument/2006/relationships" xmlns:p="http://schemas.openxmlformats.org/presentationml/2006/main">
-  <p:cSld>
-    <p:spTree>
-      <p:nvGrpSpPr>
-        <p:cNvPr id="1" name=""/>
-        <p:cNvGrpSpPr/>
-        <p:nvPr/>
-      </p:nvGrpSpPr>
-      <p:grpSpPr>
-        <a:xfrm>
-          <a:off x="0" y="0"/>
-          <a:ext cx="0" cy="0"/>
-          <a:chOff x="0" y="0"/>
-          <a:chExt cx="0" cy="0"/>
-        </a:xfrm>
-      </p:grpSpPr>
-      <p:sp>
-        <p:nvSpPr>
-          <p:cNvPr id="2" name="Title 1">
-            <a:extLst>
-              <a:ext uri="{FF2B5EF4-FFF2-40B4-BE49-F238E27FC236}">
-                <a16:creationId xmlns:a16="http://schemas.microsoft.com/office/drawing/2014/main" id="{095C1ADA-5A71-411B-909F-7875C8E1DF38}"/>
-              </a:ext>
-            </a:extLst>
-          </p:cNvPr>
-          <p:cNvSpPr>
-            <a:spLocks noGrp="1"/>
-          </p:cNvSpPr>
-          <p:nvPr>
-            <p:ph type="title"/>
-          </p:nvPr>
-        </p:nvSpPr>
-        <p:spPr/>
-        <p:txBody>
-          <a:bodyPr/>
-          <a:lstStyle/>
-          <a:p>
-            <a:r>
-              <a:rPr lang="en-US" dirty="0"/>
-              <a:t>Motivation</a:t>
-            </a:r>
-          </a:p>
-        </p:txBody>
-      </p:sp>
-      <p:sp>
-        <p:nvSpPr>
-          <p:cNvPr id="3" name="Content Placeholder 2">
-            <a:extLst>
-              <a:ext uri="{FF2B5EF4-FFF2-40B4-BE49-F238E27FC236}">
-                <a16:creationId xmlns:a16="http://schemas.microsoft.com/office/drawing/2014/main" id="{8049D5FC-69C6-48D3-9A43-28E82C62B517}"/>
-              </a:ext>
-            </a:extLst>
-          </p:cNvPr>
-          <p:cNvSpPr>
-            <a:spLocks noGrp="1"/>
-          </p:cNvSpPr>
-          <p:nvPr>
-            <p:ph idx="1"/>
-          </p:nvPr>
-        </p:nvSpPr>
-        <p:spPr>
-          <a:xfrm>
-            <a:off x="1104293" y="1719090"/>
-            <a:ext cx="8946541" cy="4195481"/>
-          </a:xfrm>
-        </p:spPr>
-        <p:txBody>
-          <a:bodyPr>
-            <a:normAutofit/>
-          </a:bodyPr>
-          <a:lstStyle/>
-          <a:p>
-            <a:r>
-              <a:rPr lang="en-US" sz="2400" dirty="0"/>
-              <a:t>Hired by a consulting firm we are asked to examine the return on investment for vacation rentals in 5 major cities. </a:t>
-            </a:r>
-          </a:p>
-        </p:txBody>
-      </p:sp>
-      <p:pic>
-        <p:nvPicPr>
-          <p:cNvPr id="5" name="Picture 4">
-            <a:extLst>
-              <a:ext uri="{FF2B5EF4-FFF2-40B4-BE49-F238E27FC236}">
-                <a16:creationId xmlns:a16="http://schemas.microsoft.com/office/drawing/2014/main" id="{5421C6B4-C289-49E6-AC76-8BE724D1690F}"/>
-              </a:ext>
-            </a:extLst>
-          </p:cNvPr>
-          <p:cNvPicPr>
-            <a:picLocks noChangeAspect="1"/>
-          </p:cNvPicPr>
-          <p:nvPr/>
-        </p:nvPicPr>
-        <p:blipFill>
-          <a:blip r:embed="rId2">
-            <a:extLst>
-              <a:ext uri="{28A0092B-C50C-407E-A947-70E740481C1C}">
-                <a14:useLocalDpi xmlns:a14="http://schemas.microsoft.com/office/drawing/2010/main" val="0"/>
-              </a:ext>
-            </a:extLst>
-          </a:blip>
-          <a:stretch>
-            <a:fillRect/>
-          </a:stretch>
-        </p:blipFill>
-        <p:spPr>
-          <a:xfrm>
-            <a:off x="2810019" y="3103675"/>
-            <a:ext cx="5869523" cy="3301607"/>
-          </a:xfrm>
-          <a:prstGeom prst="rect">
-            <a:avLst/>
-          </a:prstGeom>
-        </p:spPr>
-      </p:pic>
-    </p:spTree>
-    <p:extLst>
-      <p:ext uri="{BB962C8B-B14F-4D97-AF65-F5344CB8AC3E}">
-        <p14:creationId xmlns:p14="http://schemas.microsoft.com/office/powerpoint/2010/main" val="4085363673"/>
-      </p:ext>
-    </p:extLst>
-  </p:cSld>
-  <p:clrMapOvr>
-    <a:masterClrMapping/>
-  </p:clrMapOvr>
-</p:sld>
-</file>
-
-<file path=ppt/slides/slide20.xml><?xml version="1.0" encoding="utf-8"?>
-<p:sld xmlns:a="http://schemas.openxmlformats.org/drawingml/2006/main" xmlns:r="http://schemas.openxmlformats.org/officeDocument/2006/relationships" xmlns:p="http://schemas.openxmlformats.org/presentationml/2006/main">
-  <p:cSld>
-    <p:spTree>
-      <p:nvGrpSpPr>
-        <p:cNvPr id="1" name=""/>
-        <p:cNvGrpSpPr/>
-        <p:nvPr/>
-      </p:nvGrpSpPr>
-      <p:grpSpPr>
-        <a:xfrm>
-          <a:off x="0" y="0"/>
-          <a:ext cx="0" cy="0"/>
-          <a:chOff x="0" y="0"/>
-          <a:chExt cx="0" cy="0"/>
-        </a:xfrm>
-      </p:grpSpPr>
-      <p:sp>
-        <p:nvSpPr>
-          <p:cNvPr id="3" name="Content Placeholder 2">
-            <a:extLst>
-              <a:ext uri="{FF2B5EF4-FFF2-40B4-BE49-F238E27FC236}">
-                <a16:creationId xmlns:a16="http://schemas.microsoft.com/office/drawing/2014/main" id="{C47FB798-9871-4848-9422-D9F7A352EA6A}"/>
-              </a:ext>
-            </a:extLst>
-          </p:cNvPr>
-          <p:cNvSpPr>
-            <a:spLocks noGrp="1"/>
-          </p:cNvSpPr>
-          <p:nvPr>
-            <p:ph idx="1"/>
-          </p:nvPr>
-        </p:nvSpPr>
-        <p:spPr>
-          <a:xfrm>
-            <a:off x="1722783" y="106017"/>
-            <a:ext cx="9793494" cy="6858000"/>
-          </a:xfrm>
-        </p:spPr>
-        <p:txBody>
-          <a:bodyPr>
-            <a:normAutofit fontScale="47500" lnSpcReduction="20000"/>
-          </a:bodyPr>
-          <a:lstStyle/>
-          <a:p>
-            <a:r>
-              <a:rPr lang="en-US" sz="2500" b="1" dirty="0"/>
-              <a:t>* Title Slide</a:t>
-            </a:r>
-          </a:p>
-          <a:p>
-            <a:r>
-              <a:rPr lang="en-US" sz="2500" dirty="0"/>
-              <a:t>  * Include the name of the Project and Group Members</a:t>
-            </a:r>
-          </a:p>
-          <a:p>
-            <a:r>
-              <a:rPr lang="en-US" sz="2500" b="1" dirty="0"/>
-              <a:t>* Motivation &amp; Summary Slide</a:t>
-            </a:r>
-          </a:p>
-          <a:p>
-            <a:r>
-              <a:rPr lang="en-US" sz="2500" dirty="0"/>
-              <a:t>  * Define the core message or hypothesis of your project.</a:t>
-            </a:r>
-          </a:p>
-          <a:p>
-            <a:r>
-              <a:rPr lang="en-US" sz="2500" dirty="0"/>
-              <a:t>  * Describe the questions you asked, and _why_ you asked them</a:t>
-            </a:r>
-          </a:p>
-          <a:p>
-            <a:r>
-              <a:rPr lang="en-US" sz="2500" dirty="0"/>
-              <a:t>  * Describe whether you were able to answer these questions to your satisfaction, and briefly summarize your findings</a:t>
-            </a:r>
-          </a:p>
-          <a:p>
-            <a:r>
-              <a:rPr lang="en-US" sz="2500" b="1" dirty="0"/>
-              <a:t>* Questions &amp; Data</a:t>
-            </a:r>
-          </a:p>
-          <a:p>
-            <a:r>
-              <a:rPr lang="en-US" sz="2500" dirty="0"/>
-              <a:t>  * Elaborate on the questions you asked, describing what kinds of data you needed to answer them, and where you found it</a:t>
-            </a:r>
-          </a:p>
-          <a:p>
-            <a:r>
-              <a:rPr lang="en-US" sz="2500" b="1" dirty="0"/>
-              <a:t>* Data Cleanup &amp; Exploration</a:t>
-            </a:r>
-          </a:p>
-          <a:p>
-            <a:r>
-              <a:rPr lang="en-US" sz="2500" dirty="0"/>
-              <a:t>  * Describe the exploration and cleanup process</a:t>
-            </a:r>
-          </a:p>
-          <a:p>
-            <a:r>
-              <a:rPr lang="en-US" sz="2500" dirty="0"/>
-              <a:t>  * Discuss insights you had while exploring the data that you didn't anticipate</a:t>
-            </a:r>
-          </a:p>
-          <a:p>
-            <a:r>
-              <a:rPr lang="en-US" sz="2500" dirty="0"/>
-              <a:t>  * Discuss any problems that arose after exploring the data, and how you resolved them</a:t>
-            </a:r>
-          </a:p>
-          <a:p>
-            <a:r>
-              <a:rPr lang="en-US" sz="2500" dirty="0"/>
-              <a:t>  * Present and discuss interesting figures developed during exploration, ideally with the help of Jupyter Notebook</a:t>
-            </a:r>
-          </a:p>
-          <a:p>
-            <a:r>
-              <a:rPr lang="en-US" sz="2500" b="1" dirty="0"/>
-              <a:t>* Data Analysis</a:t>
-            </a:r>
-          </a:p>
-          <a:p>
-            <a:r>
-              <a:rPr lang="en-US" sz="2500" dirty="0"/>
-              <a:t>  * Discuss the steps you took to analyze the data and answer each question you asked in your proposal</a:t>
-            </a:r>
-          </a:p>
-          <a:p>
-            <a:r>
-              <a:rPr lang="en-US" sz="2500" dirty="0"/>
-              <a:t>  * Present and discuss interesting figures developed during analysis, ideally with the help of Jupyter Notebook</a:t>
-            </a:r>
-          </a:p>
-          <a:p>
-            <a:r>
-              <a:rPr lang="en-US" sz="2500" b="1" dirty="0"/>
-              <a:t>* Discussion</a:t>
-            </a:r>
-          </a:p>
-          <a:p>
-            <a:r>
-              <a:rPr lang="en-US" sz="2500" dirty="0"/>
-              <a:t>  * Discuss your findings. Did you find what you expected to find? If not, why not? What inferences or general conclusions can you draw from your analysis?</a:t>
-            </a:r>
-          </a:p>
-          <a:p>
-            <a:r>
-              <a:rPr lang="en-US" sz="2500" b="1" dirty="0"/>
-              <a:t>* Post Mortem</a:t>
-            </a:r>
-          </a:p>
-          <a:p>
-            <a:r>
-              <a:rPr lang="en-US" sz="2500" dirty="0"/>
-              <a:t>  * Discuss any difficulties that arose, and how you dealt with them</a:t>
-            </a:r>
-          </a:p>
-          <a:p>
-            <a:r>
-              <a:rPr lang="en-US" sz="2500" dirty="0"/>
-              <a:t>  * Discuss any additional questions that came up, but which you didn't have time to answer: What would you research next, if you had two more weeks?</a:t>
-            </a:r>
-          </a:p>
-          <a:p>
-            <a:r>
-              <a:rPr lang="en-US" sz="2500" b="1" dirty="0"/>
-              <a:t>* Questions</a:t>
-            </a:r>
-          </a:p>
-          <a:p>
-            <a:r>
-              <a:rPr lang="en-US" sz="2500" dirty="0"/>
-              <a:t>  * Open-floor Q&amp;A with the audience</a:t>
-            </a:r>
-          </a:p>
-          <a:p>
-            <a:endParaRPr lang="en-US" dirty="0"/>
-          </a:p>
-        </p:txBody>
-      </p:sp>
-    </p:spTree>
-    <p:extLst>
-      <p:ext uri="{BB962C8B-B14F-4D97-AF65-F5344CB8AC3E}">
-        <p14:creationId xmlns:p14="http://schemas.microsoft.com/office/powerpoint/2010/main" val="3406233581"/>
-      </p:ext>
-    </p:extLst>
-  </p:cSld>
-  <p:clrMapOvr>
-    <a:masterClrMapping/>
-  </p:clrMapOvr>
-</p:sld>
-</file>
-
-<file path=ppt/slides/slide21.xml><?xml version="1.0" encoding="utf-8"?>
-<p:sld xmlns:a="http://schemas.openxmlformats.org/drawingml/2006/main" xmlns:r="http://schemas.openxmlformats.org/officeDocument/2006/relationships" xmlns:p="http://schemas.openxmlformats.org/presentationml/2006/main">
-  <p:cSld>
-    <p:spTree>
-      <p:nvGrpSpPr>
-        <p:cNvPr id="1" name=""/>
-        <p:cNvGrpSpPr/>
-        <p:nvPr/>
-      </p:nvGrpSpPr>
-      <p:grpSpPr>
-        <a:xfrm>
-          <a:off x="0" y="0"/>
-          <a:ext cx="0" cy="0"/>
-          <a:chOff x="0" y="0"/>
-          <a:chExt cx="0" cy="0"/>
-        </a:xfrm>
-      </p:grpSpPr>
-      <p:sp>
-        <p:nvSpPr>
-          <p:cNvPr id="2" name="Title 1">
-            <a:extLst>
-              <a:ext uri="{FF2B5EF4-FFF2-40B4-BE49-F238E27FC236}">
                 <a16:creationId xmlns:a16="http://schemas.microsoft.com/office/drawing/2014/main" id="{5E420DB0-3671-4DB2-84F6-19455DA625AF}"/>
               </a:ext>
             </a:extLst>
@@ -7836,7 +7159,7 @@
 </p:sld>
 </file>
 
-<file path=ppt/slides/slide22.xml><?xml version="1.0" encoding="utf-8"?>
+<file path=ppt/slides/slide18.xml><?xml version="1.0" encoding="utf-8"?>
 <p:sld xmlns:a="http://schemas.openxmlformats.org/drawingml/2006/main" xmlns:r="http://schemas.openxmlformats.org/officeDocument/2006/relationships" xmlns:p="http://schemas.openxmlformats.org/presentationml/2006/main">
   <p:cSld>
     <p:spTree>
@@ -7858,7 +7181,7 @@
           <p:cNvPr id="2" name="Title 1">
             <a:extLst>
               <a:ext uri="{FF2B5EF4-FFF2-40B4-BE49-F238E27FC236}">
-                <a16:creationId xmlns:a16="http://schemas.microsoft.com/office/drawing/2014/main" id="{BC532968-3ADF-4530-AC29-891F006383A4}"/>
+                <a16:creationId xmlns:a16="http://schemas.microsoft.com/office/drawing/2014/main" id="{1A14BB60-59D9-4529-B7A4-012EC83E37B1}"/>
               </a:ext>
             </a:extLst>
           </p:cNvPr>
@@ -7876,7 +7199,7 @@
           <a:p>
             <a:r>
               <a:rPr lang="en-US" dirty="0"/>
-              <a:t>Data Cleanup</a:t>
+              <a:t>Post Mortem</a:t>
             </a:r>
           </a:p>
         </p:txBody>
@@ -7886,7 +7209,7 @@
           <p:cNvPr id="3" name="Content Placeholder 2">
             <a:extLst>
               <a:ext uri="{FF2B5EF4-FFF2-40B4-BE49-F238E27FC236}">
-                <a16:creationId xmlns:a16="http://schemas.microsoft.com/office/drawing/2014/main" id="{DBE68035-1380-41D5-AAB1-33ABB642681F}"/>
+                <a16:creationId xmlns:a16="http://schemas.microsoft.com/office/drawing/2014/main" id="{AB18F305-CF38-49B4-9F64-654566125DC5}"/>
               </a:ext>
             </a:extLst>
           </p:cNvPr>
@@ -7899,64 +7222,52 @@
         </p:nvSpPr>
         <p:spPr/>
         <p:txBody>
-          <a:bodyPr>
-            <a:normAutofit/>
-          </a:bodyPr>
-          <a:lstStyle/>
-          <a:p>
-            <a:r>
-              <a:rPr lang="en-US" sz="2000" dirty="0"/>
-              <a:t>Our first step was to drop all other cities other than Austin, Boston, Chicago, San Diego and Seattle</a:t>
-            </a:r>
-          </a:p>
-          <a:p>
-            <a:r>
-              <a:rPr lang="en-US" sz="2000" dirty="0"/>
-              <a:t>Csv data was only available by bedroom, so we ran 5 different analysis and merged together at the end </a:t>
-            </a:r>
-          </a:p>
-          <a:p>
-            <a:r>
-              <a:rPr lang="en-US" sz="2000" dirty="0"/>
-              <a:t>Example shown 1 Bedroom</a:t>
-            </a:r>
-          </a:p>
-        </p:txBody>
-      </p:sp>
-      <p:pic>
-        <p:nvPicPr>
-          <p:cNvPr id="6" name="Picture 5">
-            <a:extLst>
-              <a:ext uri="{FF2B5EF4-FFF2-40B4-BE49-F238E27FC236}">
-                <a16:creationId xmlns:a16="http://schemas.microsoft.com/office/drawing/2014/main" id="{8FF1B750-E967-4794-A2BE-1D610C5A49B9}"/>
-              </a:ext>
-            </a:extLst>
-          </p:cNvPr>
-          <p:cNvPicPr>
-            <a:picLocks noChangeAspect="1"/>
-          </p:cNvPicPr>
-          <p:nvPr/>
-        </p:nvPicPr>
-        <p:blipFill>
-          <a:blip r:embed="rId2"/>
-          <a:stretch>
-            <a:fillRect/>
-          </a:stretch>
-        </p:blipFill>
-        <p:spPr>
-          <a:xfrm>
-            <a:off x="1242646" y="3958851"/>
-            <a:ext cx="9706708" cy="2722710"/>
-          </a:xfrm>
-          <a:prstGeom prst="rect">
-            <a:avLst/>
-          </a:prstGeom>
-        </p:spPr>
-      </p:pic>
+          <a:bodyPr/>
+          <a:lstStyle/>
+          <a:p>
+            <a:r>
+              <a:rPr lang="en-US" dirty="0"/>
+              <a:t>What would we research next or more in detail if we had more time?</a:t>
+            </a:r>
+          </a:p>
+          <a:p>
+            <a:pPr lvl="1"/>
+            <a:r>
+              <a:rPr lang="en-US" dirty="0"/>
+              <a:t>More cities</a:t>
+            </a:r>
+          </a:p>
+          <a:p>
+            <a:pPr lvl="1"/>
+            <a:r>
+              <a:rPr lang="en-US" dirty="0"/>
+              <a:t>Breakdown zip codes in each city</a:t>
+            </a:r>
+          </a:p>
+          <a:p>
+            <a:pPr lvl="1"/>
+            <a:r>
+              <a:rPr lang="en-US" dirty="0"/>
+              <a:t>Long term rental markets return on investment</a:t>
+            </a:r>
+          </a:p>
+          <a:p>
+            <a:pPr lvl="1"/>
+            <a:r>
+              <a:rPr lang="en-US" dirty="0"/>
+              <a:t>Exit strategy or ability to sell quickly and at what value</a:t>
+            </a:r>
+          </a:p>
+          <a:p>
+            <a:pPr lvl="1"/>
+            <a:endParaRPr lang="en-US" dirty="0"/>
+          </a:p>
+        </p:txBody>
+      </p:sp>
     </p:spTree>
     <p:extLst>
       <p:ext uri="{BB962C8B-B14F-4D97-AF65-F5344CB8AC3E}">
-        <p14:creationId xmlns:p14="http://schemas.microsoft.com/office/powerpoint/2010/main" val="3208309441"/>
+        <p14:creationId xmlns:p14="http://schemas.microsoft.com/office/powerpoint/2010/main" val="2971947493"/>
       </p:ext>
     </p:extLst>
   </p:cSld>
@@ -7966,7 +7277,7 @@
 </p:sld>
 </file>
 
-<file path=ppt/slides/slide23.xml><?xml version="1.0" encoding="utf-8"?>
+<file path=ppt/slides/slide19.xml><?xml version="1.0" encoding="utf-8"?>
 <p:sld xmlns:a="http://schemas.openxmlformats.org/drawingml/2006/main" xmlns:r="http://schemas.openxmlformats.org/officeDocument/2006/relationships" xmlns:p="http://schemas.openxmlformats.org/presentationml/2006/main">
   <p:cSld>
     <p:spTree>
@@ -7988,7 +7299,7 @@
           <p:cNvPr id="2" name="Title 1">
             <a:extLst>
               <a:ext uri="{FF2B5EF4-FFF2-40B4-BE49-F238E27FC236}">
-                <a16:creationId xmlns:a16="http://schemas.microsoft.com/office/drawing/2014/main" id="{81F81E17-EA23-4BBC-9453-ABEF4F38D06D}"/>
+                <a16:creationId xmlns:a16="http://schemas.microsoft.com/office/drawing/2014/main" id="{C0AEC2A5-0B5E-4B70-AD8B-A4B00FB9CBFE}"/>
               </a:ext>
             </a:extLst>
           </p:cNvPr>
@@ -8006,81 +7317,53 @@
           <a:p>
             <a:r>
               <a:rPr lang="en-US" dirty="0"/>
-              <a:t>Data Cleanup</a:t>
-            </a:r>
-          </a:p>
-        </p:txBody>
-      </p:sp>
-      <p:sp>
-        <p:nvSpPr>
-          <p:cNvPr id="3" name="Content Placeholder 2">
+              <a:t>Questions &amp; Answers</a:t>
+            </a:r>
+          </a:p>
+        </p:txBody>
+      </p:sp>
+      <p:pic>
+        <p:nvPicPr>
+          <p:cNvPr id="10" name="Content Placeholder 9">
             <a:extLst>
               <a:ext uri="{FF2B5EF4-FFF2-40B4-BE49-F238E27FC236}">
-                <a16:creationId xmlns:a16="http://schemas.microsoft.com/office/drawing/2014/main" id="{1BB64B7B-7EF5-48FB-896A-C699E58618CA}"/>
-              </a:ext>
-            </a:extLst>
-          </p:cNvPr>
-          <p:cNvSpPr>
-            <a:spLocks noGrp="1"/>
-          </p:cNvSpPr>
-          <p:nvPr>
-            <p:ph idx="1"/>
-          </p:nvPr>
-        </p:nvSpPr>
-        <p:spPr/>
-        <p:txBody>
-          <a:bodyPr>
-            <a:normAutofit/>
-          </a:bodyPr>
-          <a:lstStyle/>
-          <a:p>
-            <a:r>
-              <a:rPr lang="en-US" sz="2000" dirty="0"/>
-              <a:t>Breaking down price per night off inside Airbnb required each city to be imported alone and merged</a:t>
-            </a:r>
-          </a:p>
-          <a:p>
-            <a:r>
-              <a:rPr lang="en-US" sz="2000" dirty="0"/>
-              <a:t>Example code for Austin  </a:t>
-            </a:r>
-          </a:p>
-        </p:txBody>
-      </p:sp>
-      <p:pic>
-        <p:nvPicPr>
-          <p:cNvPr id="5" name="Picture 4">
-            <a:extLst>
-              <a:ext uri="{FF2B5EF4-FFF2-40B4-BE49-F238E27FC236}">
-                <a16:creationId xmlns:a16="http://schemas.microsoft.com/office/drawing/2014/main" id="{1D30F2BE-0135-4AED-8DB8-DBA902E36514}"/>
+                <a16:creationId xmlns:a16="http://schemas.microsoft.com/office/drawing/2014/main" id="{B3C589C9-6776-49C0-89A1-36DE6E59649E}"/>
               </a:ext>
             </a:extLst>
           </p:cNvPr>
           <p:cNvPicPr>
-            <a:picLocks noChangeAspect="1"/>
+            <a:picLocks noGrp="1" noChangeAspect="1"/>
           </p:cNvPicPr>
-          <p:nvPr/>
+          <p:nvPr>
+            <p:ph idx="1"/>
+          </p:nvPr>
         </p:nvPicPr>
         <p:blipFill>
-          <a:blip r:embed="rId2"/>
+          <a:blip r:embed="rId2">
+            <a:extLst>
+              <a:ext uri="{28A0092B-C50C-407E-A947-70E740481C1C}">
+                <a14:useLocalDpi xmlns:a14="http://schemas.microsoft.com/office/drawing/2010/main" val="0"/>
+              </a:ext>
+              <a:ext uri="{837473B0-CC2E-450A-ABE3-18F120FF3D39}">
+                <a1611:picAttrSrcUrl xmlns:a1611="http://schemas.microsoft.com/office/drawing/2016/11/main" r:id="rId3"/>
+              </a:ext>
+            </a:extLst>
+          </a:blip>
           <a:stretch>
             <a:fillRect/>
           </a:stretch>
         </p:blipFill>
         <p:spPr>
           <a:xfrm>
-            <a:off x="1341242" y="3429000"/>
-            <a:ext cx="9747446" cy="2384268"/>
+            <a:off x="3149600" y="1750037"/>
+            <a:ext cx="4069594" cy="4340901"/>
           </a:xfrm>
-          <a:prstGeom prst="rect">
-            <a:avLst/>
-          </a:prstGeom>
         </p:spPr>
       </p:pic>
     </p:spTree>
     <p:extLst>
       <p:ext uri="{BB962C8B-B14F-4D97-AF65-F5344CB8AC3E}">
-        <p14:creationId xmlns:p14="http://schemas.microsoft.com/office/powerpoint/2010/main" val="163629930"/>
+        <p14:creationId xmlns:p14="http://schemas.microsoft.com/office/powerpoint/2010/main" val="679744110"/>
       </p:ext>
     </p:extLst>
   </p:cSld>
@@ -8090,7 +7373,7 @@
 </p:sld>
 </file>
 
-<file path=ppt/slides/slide24.xml><?xml version="1.0" encoding="utf-8"?>
+<file path=ppt/slides/slide2.xml><?xml version="1.0" encoding="utf-8"?>
 <p:sld xmlns:a="http://schemas.openxmlformats.org/drawingml/2006/main" xmlns:r="http://schemas.openxmlformats.org/officeDocument/2006/relationships" xmlns:p="http://schemas.openxmlformats.org/presentationml/2006/main">
   <p:cSld>
     <p:spTree>
@@ -8112,7 +7395,7 @@
           <p:cNvPr id="2" name="Title 1">
             <a:extLst>
               <a:ext uri="{FF2B5EF4-FFF2-40B4-BE49-F238E27FC236}">
-                <a16:creationId xmlns:a16="http://schemas.microsoft.com/office/drawing/2014/main" id="{AD190707-6096-4AD9-9308-7A97F49A5269}"/>
+                <a16:creationId xmlns:a16="http://schemas.microsoft.com/office/drawing/2014/main" id="{095C1ADA-5A71-411B-909F-7875C8E1DF38}"/>
               </a:ext>
             </a:extLst>
           </p:cNvPr>
@@ -8130,7 +7413,7 @@
           <a:p>
             <a:r>
               <a:rPr lang="en-US" dirty="0"/>
-              <a:t>Data Cleanup</a:t>
+              <a:t>Motivation</a:t>
             </a:r>
           </a:p>
         </p:txBody>
@@ -8140,7 +7423,7 @@
           <p:cNvPr id="3" name="Content Placeholder 2">
             <a:extLst>
               <a:ext uri="{FF2B5EF4-FFF2-40B4-BE49-F238E27FC236}">
-                <a16:creationId xmlns:a16="http://schemas.microsoft.com/office/drawing/2014/main" id="{27AAA8FC-6A7B-4FFF-9744-67FB4ECB01F5}"/>
+                <a16:creationId xmlns:a16="http://schemas.microsoft.com/office/drawing/2014/main" id="{8049D5FC-69C6-48D3-9A43-28E82C62B517}"/>
               </a:ext>
             </a:extLst>
           </p:cNvPr>
@@ -8151,39 +7434,31 @@
             <p:ph idx="1"/>
           </p:nvPr>
         </p:nvSpPr>
-        <p:spPr/>
-        <p:txBody>
-          <a:bodyPr/>
-          <a:lstStyle/>
-          <a:p>
-            <a:r>
-              <a:rPr lang="en-US" sz="2000" dirty="0"/>
-              <a:t>The csv files we used for inside Airbnb did not include occupancy rate</a:t>
-            </a:r>
-          </a:p>
-          <a:p>
-            <a:r>
-              <a:rPr lang="en-US" sz="2000" dirty="0"/>
-              <a:t>Using the occupancy rate found on another section of the website </a:t>
-            </a:r>
-          </a:p>
-          <a:p>
-            <a:r>
-              <a:rPr lang="en-US" sz="2000" dirty="0"/>
-              <a:t>We calculated price per night * occupancy rate = potential annual income</a:t>
-            </a:r>
-          </a:p>
-          <a:p>
-            <a:endParaRPr lang="en-US" dirty="0"/>
+        <p:spPr>
+          <a:xfrm>
+            <a:off x="1104293" y="1719090"/>
+            <a:ext cx="8946541" cy="4195481"/>
+          </a:xfrm>
+        </p:spPr>
+        <p:txBody>
+          <a:bodyPr>
+            <a:normAutofit/>
+          </a:bodyPr>
+          <a:lstStyle/>
+          <a:p>
+            <a:r>
+              <a:rPr lang="en-US" sz="2400" dirty="0"/>
+              <a:t>Hired by a consulting firm we are asked to examine the return on investment for vacation rentals in 5 major cities. </a:t>
+            </a:r>
           </a:p>
         </p:txBody>
       </p:sp>
       <p:pic>
         <p:nvPicPr>
-          <p:cNvPr id="4" name="Picture 3">
+          <p:cNvPr id="5" name="Picture 4">
             <a:extLst>
               <a:ext uri="{FF2B5EF4-FFF2-40B4-BE49-F238E27FC236}">
-                <a16:creationId xmlns:a16="http://schemas.microsoft.com/office/drawing/2014/main" id="{172FECD6-F025-40FE-A7F8-B959BB9BFB26}"/>
+                <a16:creationId xmlns:a16="http://schemas.microsoft.com/office/drawing/2014/main" id="{5421C6B4-C289-49E6-AC76-8BE724D1690F}"/>
               </a:ext>
             </a:extLst>
           </p:cNvPr>
@@ -8193,45 +7468,21 @@
           <p:nvPr/>
         </p:nvPicPr>
         <p:blipFill>
-          <a:blip r:embed="rId2"/>
+          <a:blip r:embed="rId2">
+            <a:extLst>
+              <a:ext uri="{28A0092B-C50C-407E-A947-70E740481C1C}">
+                <a14:useLocalDpi xmlns:a14="http://schemas.microsoft.com/office/drawing/2010/main" val="0"/>
+              </a:ext>
+            </a:extLst>
+          </a:blip>
           <a:stretch>
             <a:fillRect/>
           </a:stretch>
         </p:blipFill>
         <p:spPr>
           <a:xfrm>
-            <a:off x="1056553" y="3243469"/>
-            <a:ext cx="4813656" cy="2836154"/>
-          </a:xfrm>
-          <a:prstGeom prst="rect">
-            <a:avLst/>
-          </a:prstGeom>
-        </p:spPr>
-      </p:pic>
-      <p:pic>
-        <p:nvPicPr>
-          <p:cNvPr id="6" name="Picture 5">
-            <a:extLst>
-              <a:ext uri="{FF2B5EF4-FFF2-40B4-BE49-F238E27FC236}">
-                <a16:creationId xmlns:a16="http://schemas.microsoft.com/office/drawing/2014/main" id="{88DC3879-6CE8-44B5-83BA-D6F922AA1B74}"/>
-              </a:ext>
-            </a:extLst>
-          </p:cNvPr>
-          <p:cNvPicPr>
-            <a:picLocks noChangeAspect="1"/>
-          </p:cNvPicPr>
-          <p:nvPr/>
-        </p:nvPicPr>
-        <p:blipFill>
-          <a:blip r:embed="rId3"/>
-          <a:stretch>
-            <a:fillRect/>
-          </a:stretch>
-        </p:blipFill>
-        <p:spPr>
-          <a:xfrm>
-            <a:off x="6096000" y="3243469"/>
-            <a:ext cx="5039447" cy="2836154"/>
+            <a:off x="2810019" y="3103675"/>
+            <a:ext cx="5869523" cy="3301607"/>
           </a:xfrm>
           <a:prstGeom prst="rect">
             <a:avLst/>
@@ -8241,7 +7492,7 @@
     </p:spTree>
     <p:extLst>
       <p:ext uri="{BB962C8B-B14F-4D97-AF65-F5344CB8AC3E}">
-        <p14:creationId xmlns:p14="http://schemas.microsoft.com/office/powerpoint/2010/main" val="1486539721"/>
+        <p14:creationId xmlns:p14="http://schemas.microsoft.com/office/powerpoint/2010/main" val="4085363673"/>
       </p:ext>
     </p:extLst>
   </p:cSld>
@@ -8251,7 +7502,7 @@
 </p:sld>
 </file>
 
-<file path=ppt/slides/slide25.xml><?xml version="1.0" encoding="utf-8"?>
+<file path=ppt/slides/slide20.xml><?xml version="1.0" encoding="utf-8"?>
 <p:sld xmlns:a="http://schemas.openxmlformats.org/drawingml/2006/main" xmlns:r="http://schemas.openxmlformats.org/officeDocument/2006/relationships" xmlns:p="http://schemas.openxmlformats.org/presentationml/2006/main">
   <p:cSld>
     <p:spTree>
@@ -8273,7 +7524,7 @@
           <p:cNvPr id="2" name="Title 1">
             <a:extLst>
               <a:ext uri="{FF2B5EF4-FFF2-40B4-BE49-F238E27FC236}">
-                <a16:creationId xmlns:a16="http://schemas.microsoft.com/office/drawing/2014/main" id="{B0B4626C-1379-4B68-8E49-BBB79E508284}"/>
+                <a16:creationId xmlns:a16="http://schemas.microsoft.com/office/drawing/2014/main" id="{12B76908-2251-4011-AFC4-6E1C08D6D97F}"/>
               </a:ext>
             </a:extLst>
           </p:cNvPr>
@@ -8291,7 +7542,7 @@
           <a:p>
             <a:r>
               <a:rPr lang="en-US" dirty="0"/>
-              <a:t>Data Cleanup</a:t>
+              <a:t>Resources</a:t>
             </a:r>
           </a:p>
         </p:txBody>
@@ -8301,7 +7552,7 @@
           <p:cNvPr id="3" name="Content Placeholder 2">
             <a:extLst>
               <a:ext uri="{FF2B5EF4-FFF2-40B4-BE49-F238E27FC236}">
-                <a16:creationId xmlns:a16="http://schemas.microsoft.com/office/drawing/2014/main" id="{9170A7B1-AEE2-4C9F-A101-11B059DDC326}"/>
+                <a16:creationId xmlns:a16="http://schemas.microsoft.com/office/drawing/2014/main" id="{CB173D8F-D1B1-4CF9-B90C-AED3104C7DB4}"/>
               </a:ext>
             </a:extLst>
           </p:cNvPr>
@@ -8312,619 +7563,64 @@
             <p:ph idx="1"/>
           </p:nvPr>
         </p:nvSpPr>
-        <p:spPr>
-          <a:xfrm>
-            <a:off x="838200" y="1825625"/>
-            <a:ext cx="6026834" cy="4351338"/>
-          </a:xfrm>
-        </p:spPr>
-        <p:txBody>
-          <a:bodyPr>
-            <a:normAutofit/>
-          </a:bodyPr>
-          <a:lstStyle/>
-          <a:p>
-            <a:r>
-              <a:rPr lang="en-US" sz="2000" dirty="0"/>
-              <a:t>We created a scatterplot showing all 5 cities and 1-5 bedrooms median price</a:t>
-            </a:r>
-          </a:p>
-          <a:p>
-            <a:r>
-              <a:rPr lang="en-US" sz="2000" dirty="0"/>
-              <a:t>We shortened the display name of each city:</a:t>
-            </a:r>
-          </a:p>
-          <a:p>
-            <a:r>
-              <a:rPr lang="en-US" sz="2000" dirty="0"/>
-              <a:t>A = Austin</a:t>
-            </a:r>
-          </a:p>
-          <a:p>
-            <a:r>
-              <a:rPr lang="en-US" sz="2000" dirty="0"/>
-              <a:t>B = Boston</a:t>
-            </a:r>
-          </a:p>
-          <a:p>
-            <a:r>
-              <a:rPr lang="en-US" sz="2000" dirty="0"/>
-              <a:t>C = Chicago</a:t>
-            </a:r>
-          </a:p>
-          <a:p>
-            <a:r>
-              <a:rPr lang="en-US" sz="2000" dirty="0"/>
-              <a:t>SD = San Diego</a:t>
-            </a:r>
-          </a:p>
-          <a:p>
-            <a:r>
-              <a:rPr lang="en-US" sz="2000" dirty="0"/>
-              <a:t>S = Seattle </a:t>
-            </a:r>
-          </a:p>
-        </p:txBody>
-      </p:sp>
-      <p:pic>
-        <p:nvPicPr>
-          <p:cNvPr id="5" name="Picture 4">
-            <a:extLst>
-              <a:ext uri="{FF2B5EF4-FFF2-40B4-BE49-F238E27FC236}">
-                <a16:creationId xmlns:a16="http://schemas.microsoft.com/office/drawing/2014/main" id="{68D7DA2F-87D3-4021-B190-9D8831D4A611}"/>
-              </a:ext>
-            </a:extLst>
-          </p:cNvPr>
-          <p:cNvPicPr>
-            <a:picLocks noChangeAspect="1"/>
-          </p:cNvPicPr>
-          <p:nvPr/>
-        </p:nvPicPr>
-        <p:blipFill>
-          <a:blip r:embed="rId2"/>
-          <a:stretch>
-            <a:fillRect/>
-          </a:stretch>
-        </p:blipFill>
-        <p:spPr>
-          <a:xfrm>
-            <a:off x="6952503" y="1796733"/>
-            <a:ext cx="4750137" cy="1113473"/>
-          </a:xfrm>
-          <a:prstGeom prst="rect">
-            <a:avLst/>
-          </a:prstGeom>
-        </p:spPr>
-      </p:pic>
-      <p:pic>
-        <p:nvPicPr>
-          <p:cNvPr id="7" name="Picture 6">
-            <a:extLst>
-              <a:ext uri="{FF2B5EF4-FFF2-40B4-BE49-F238E27FC236}">
-                <a16:creationId xmlns:a16="http://schemas.microsoft.com/office/drawing/2014/main" id="{E1208C64-7B62-4C51-A4BD-F34A664B81A7}"/>
-              </a:ext>
-            </a:extLst>
-          </p:cNvPr>
-          <p:cNvPicPr>
-            <a:picLocks noChangeAspect="1"/>
-          </p:cNvPicPr>
-          <p:nvPr/>
-        </p:nvPicPr>
-        <p:blipFill>
-          <a:blip r:embed="rId3"/>
-          <a:stretch>
-            <a:fillRect/>
-          </a:stretch>
-        </p:blipFill>
-        <p:spPr>
-          <a:xfrm>
-            <a:off x="5011508" y="3089031"/>
-            <a:ext cx="6691132" cy="3134946"/>
-          </a:xfrm>
-          <a:prstGeom prst="rect">
-            <a:avLst/>
-          </a:prstGeom>
-        </p:spPr>
-      </p:pic>
+        <p:spPr/>
+        <p:txBody>
+          <a:bodyPr/>
+          <a:lstStyle/>
+          <a:p>
+            <a:r>
+              <a:rPr lang="en-US" dirty="0"/>
+              <a:t>Airbnb - </a:t>
+            </a:r>
+            <a:r>
+              <a:rPr lang="en-US" dirty="0">
+                <a:hlinkClick r:id="rId2"/>
+              </a:rPr>
+              <a:t>http://insideairbnb.com/get-the-data.html</a:t>
+            </a:r>
+            <a:r>
+              <a:rPr lang="en-US" dirty="0"/>
+              <a:t> </a:t>
+            </a:r>
+          </a:p>
+          <a:p>
+            <a:r>
+              <a:rPr lang="en-US" dirty="0"/>
+              <a:t>Realtor - </a:t>
+            </a:r>
+            <a:r>
+              <a:rPr lang="en-US" dirty="0">
+                <a:hlinkClick r:id="rId3"/>
+              </a:rPr>
+              <a:t>https://www.realtor.com/research/data/</a:t>
+            </a:r>
+            <a:endParaRPr lang="en-US" dirty="0"/>
+          </a:p>
+          <a:p>
+            <a:r>
+              <a:rPr lang="en-US" dirty="0"/>
+              <a:t>Jupyter Notebook - </a:t>
+            </a:r>
+            <a:r>
+              <a:rPr lang="en-US" dirty="0">
+                <a:hlinkClick r:id="rId4"/>
+              </a:rPr>
+              <a:t>https://github.com/chinosamg/Cinco</a:t>
+            </a:r>
+            <a:r>
+              <a:rPr lang="en-US" dirty="0"/>
+              <a:t> </a:t>
+            </a:r>
+          </a:p>
+          <a:p>
+            <a:endParaRPr lang="en-US" dirty="0"/>
+          </a:p>
+        </p:txBody>
+      </p:sp>
     </p:spTree>
     <p:extLst>
       <p:ext uri="{BB962C8B-B14F-4D97-AF65-F5344CB8AC3E}">
-        <p14:creationId xmlns:p14="http://schemas.microsoft.com/office/powerpoint/2010/main" val="696871095"/>
-      </p:ext>
-    </p:extLst>
-  </p:cSld>
-  <p:clrMapOvr>
-    <a:masterClrMapping/>
-  </p:clrMapOvr>
-</p:sld>
-</file>
-
-<file path=ppt/slides/slide26.xml><?xml version="1.0" encoding="utf-8"?>
-<p:sld xmlns:a="http://schemas.openxmlformats.org/drawingml/2006/main" xmlns:r="http://schemas.openxmlformats.org/officeDocument/2006/relationships" xmlns:p="http://schemas.openxmlformats.org/presentationml/2006/main">
-  <p:cSld>
-    <p:spTree>
-      <p:nvGrpSpPr>
-        <p:cNvPr id="1" name=""/>
-        <p:cNvGrpSpPr/>
-        <p:nvPr/>
-      </p:nvGrpSpPr>
-      <p:grpSpPr>
-        <a:xfrm>
-          <a:off x="0" y="0"/>
-          <a:ext cx="0" cy="0"/>
-          <a:chOff x="0" y="0"/>
-          <a:chExt cx="0" cy="0"/>
-        </a:xfrm>
-      </p:grpSpPr>
-      <p:sp>
-        <p:nvSpPr>
-          <p:cNvPr id="2" name="Title 1">
-            <a:extLst>
-              <a:ext uri="{FF2B5EF4-FFF2-40B4-BE49-F238E27FC236}">
-                <a16:creationId xmlns:a16="http://schemas.microsoft.com/office/drawing/2014/main" id="{71EF99A1-6167-46E7-9BA9-BA20555AAA08}"/>
-              </a:ext>
-            </a:extLst>
-          </p:cNvPr>
-          <p:cNvSpPr>
-            <a:spLocks noGrp="1"/>
-          </p:cNvSpPr>
-          <p:nvPr>
-            <p:ph type="title"/>
-          </p:nvPr>
-        </p:nvSpPr>
-        <p:spPr/>
-        <p:txBody>
-          <a:bodyPr/>
-          <a:lstStyle/>
-          <a:p>
-            <a:r>
-              <a:rPr lang="en-US" dirty="0"/>
-              <a:t>Data Cleanup</a:t>
-            </a:r>
-          </a:p>
-        </p:txBody>
-      </p:sp>
-      <p:sp>
-        <p:nvSpPr>
-          <p:cNvPr id="3" name="Content Placeholder 2">
-            <a:extLst>
-              <a:ext uri="{FF2B5EF4-FFF2-40B4-BE49-F238E27FC236}">
-                <a16:creationId xmlns:a16="http://schemas.microsoft.com/office/drawing/2014/main" id="{C122E7AC-9443-4ACF-9968-AB2AA4566BF9}"/>
-              </a:ext>
-            </a:extLst>
-          </p:cNvPr>
-          <p:cNvSpPr>
-            <a:spLocks noGrp="1"/>
-          </p:cNvSpPr>
-          <p:nvPr>
-            <p:ph idx="1"/>
-          </p:nvPr>
-        </p:nvSpPr>
-        <p:spPr/>
-        <p:txBody>
-          <a:bodyPr>
-            <a:normAutofit/>
-          </a:bodyPr>
-          <a:lstStyle/>
-          <a:p>
-            <a:r>
-              <a:rPr lang="en-US" sz="2000" dirty="0"/>
-              <a:t>Created a bar graph to illustrate return on investment ratio for each bedroom and labeled each city </a:t>
-            </a:r>
-          </a:p>
-        </p:txBody>
-      </p:sp>
-      <p:pic>
-        <p:nvPicPr>
-          <p:cNvPr id="5" name="Picture 4">
-            <a:extLst>
-              <a:ext uri="{FF2B5EF4-FFF2-40B4-BE49-F238E27FC236}">
-                <a16:creationId xmlns:a16="http://schemas.microsoft.com/office/drawing/2014/main" id="{B9C6E6D4-4364-48FE-8772-67A1DA3BB066}"/>
-              </a:ext>
-            </a:extLst>
-          </p:cNvPr>
-          <p:cNvPicPr>
-            <a:picLocks noChangeAspect="1"/>
-          </p:cNvPicPr>
-          <p:nvPr/>
-        </p:nvPicPr>
-        <p:blipFill>
-          <a:blip r:embed="rId2"/>
-          <a:stretch>
-            <a:fillRect/>
-          </a:stretch>
-        </p:blipFill>
-        <p:spPr>
-          <a:xfrm>
-            <a:off x="200392" y="2614440"/>
-            <a:ext cx="5101663" cy="3990975"/>
-          </a:xfrm>
-          <a:prstGeom prst="rect">
-            <a:avLst/>
-          </a:prstGeom>
-        </p:spPr>
-      </p:pic>
-      <p:pic>
-        <p:nvPicPr>
-          <p:cNvPr id="6" name="Picture 5">
-            <a:extLst>
-              <a:ext uri="{FF2B5EF4-FFF2-40B4-BE49-F238E27FC236}">
-                <a16:creationId xmlns:a16="http://schemas.microsoft.com/office/drawing/2014/main" id="{DD7B1798-CAE1-46EE-9E4E-CB773ACB0138}"/>
-              </a:ext>
-            </a:extLst>
-          </p:cNvPr>
-          <p:cNvPicPr>
-            <a:picLocks noChangeAspect="1"/>
-          </p:cNvPicPr>
-          <p:nvPr/>
-        </p:nvPicPr>
-        <p:blipFill>
-          <a:blip r:embed="rId3"/>
-          <a:stretch>
-            <a:fillRect/>
-          </a:stretch>
-        </p:blipFill>
-        <p:spPr>
-          <a:xfrm>
-            <a:off x="5476508" y="2614440"/>
-            <a:ext cx="6515100" cy="4005263"/>
-          </a:xfrm>
-          <a:prstGeom prst="rect">
-            <a:avLst/>
-          </a:prstGeom>
-        </p:spPr>
-      </p:pic>
-    </p:spTree>
-    <p:extLst>
-      <p:ext uri="{BB962C8B-B14F-4D97-AF65-F5344CB8AC3E}">
-        <p14:creationId xmlns:p14="http://schemas.microsoft.com/office/powerpoint/2010/main" val="2180301524"/>
-      </p:ext>
-    </p:extLst>
-  </p:cSld>
-  <p:clrMapOvr>
-    <a:masterClrMapping/>
-  </p:clrMapOvr>
-</p:sld>
-</file>
-
-<file path=ppt/slides/slide27.xml><?xml version="1.0" encoding="utf-8"?>
-<p:sld xmlns:a="http://schemas.openxmlformats.org/drawingml/2006/main" xmlns:r="http://schemas.openxmlformats.org/officeDocument/2006/relationships" xmlns:p="http://schemas.openxmlformats.org/presentationml/2006/main">
-  <p:cSld>
-    <p:spTree>
-      <p:nvGrpSpPr>
-        <p:cNvPr id="1" name=""/>
-        <p:cNvGrpSpPr/>
-        <p:nvPr/>
-      </p:nvGrpSpPr>
-      <p:grpSpPr>
-        <a:xfrm>
-          <a:off x="0" y="0"/>
-          <a:ext cx="0" cy="0"/>
-          <a:chOff x="0" y="0"/>
-          <a:chExt cx="0" cy="0"/>
-        </a:xfrm>
-      </p:grpSpPr>
-      <p:sp>
-        <p:nvSpPr>
-          <p:cNvPr id="2" name="Title 1">
-            <a:extLst>
-              <a:ext uri="{FF2B5EF4-FFF2-40B4-BE49-F238E27FC236}">
-                <a16:creationId xmlns:a16="http://schemas.microsoft.com/office/drawing/2014/main" id="{0F2A8F94-1920-483E-AE85-86FFC81A3472}"/>
-              </a:ext>
-            </a:extLst>
-          </p:cNvPr>
-          <p:cNvSpPr>
-            <a:spLocks noGrp="1"/>
-          </p:cNvSpPr>
-          <p:nvPr>
-            <p:ph type="title"/>
-          </p:nvPr>
-        </p:nvSpPr>
-        <p:spPr/>
-        <p:txBody>
-          <a:bodyPr/>
-          <a:lstStyle/>
-          <a:p>
-            <a:r>
-              <a:rPr lang="en-US" b="1" dirty="0"/>
-              <a:t>* Data Analysis</a:t>
-            </a:r>
-            <a:br>
-              <a:rPr lang="en-US" b="1" dirty="0"/>
-            </a:br>
-            <a:endParaRPr lang="en-US" dirty="0"/>
-          </a:p>
-        </p:txBody>
-      </p:sp>
-      <p:sp>
-        <p:nvSpPr>
-          <p:cNvPr id="3" name="Content Placeholder 2">
-            <a:extLst>
-              <a:ext uri="{FF2B5EF4-FFF2-40B4-BE49-F238E27FC236}">
-                <a16:creationId xmlns:a16="http://schemas.microsoft.com/office/drawing/2014/main" id="{1651028A-AEEA-4952-A237-FDA7C58A60A4}"/>
-              </a:ext>
-            </a:extLst>
-          </p:cNvPr>
-          <p:cNvSpPr>
-            <a:spLocks noGrp="1"/>
-          </p:cNvSpPr>
-          <p:nvPr>
-            <p:ph idx="1"/>
-          </p:nvPr>
-        </p:nvSpPr>
-        <p:spPr/>
-        <p:txBody>
-          <a:bodyPr/>
-          <a:lstStyle/>
-          <a:p>
-            <a:r>
-              <a:rPr lang="en-US" dirty="0"/>
-              <a:t>* Discuss the steps you took to analyze the data and answer each question you asked in your proposal</a:t>
-            </a:r>
-          </a:p>
-          <a:p>
-            <a:r>
-              <a:rPr lang="en-US" dirty="0"/>
-              <a:t>  * Present and discuss interesting figures developed during analysis, ideally with the help of Jupyter Notebook</a:t>
-            </a:r>
-          </a:p>
-          <a:p>
-            <a:endParaRPr lang="en-US" dirty="0"/>
-          </a:p>
-        </p:txBody>
-      </p:sp>
-    </p:spTree>
-    <p:extLst>
-      <p:ext uri="{BB962C8B-B14F-4D97-AF65-F5344CB8AC3E}">
-        <p14:creationId xmlns:p14="http://schemas.microsoft.com/office/powerpoint/2010/main" val="670632962"/>
-      </p:ext>
-    </p:extLst>
-  </p:cSld>
-  <p:clrMapOvr>
-    <a:masterClrMapping/>
-  </p:clrMapOvr>
-</p:sld>
-</file>
-
-<file path=ppt/slides/slide28.xml><?xml version="1.0" encoding="utf-8"?>
-<p:sld xmlns:a="http://schemas.openxmlformats.org/drawingml/2006/main" xmlns:r="http://schemas.openxmlformats.org/officeDocument/2006/relationships" xmlns:p="http://schemas.openxmlformats.org/presentationml/2006/main">
-  <p:cSld>
-    <p:spTree>
-      <p:nvGrpSpPr>
-        <p:cNvPr id="1" name=""/>
-        <p:cNvGrpSpPr/>
-        <p:nvPr/>
-      </p:nvGrpSpPr>
-      <p:grpSpPr>
-        <a:xfrm>
-          <a:off x="0" y="0"/>
-          <a:ext cx="0" cy="0"/>
-          <a:chOff x="0" y="0"/>
-          <a:chExt cx="0" cy="0"/>
-        </a:xfrm>
-      </p:grpSpPr>
-      <p:sp>
-        <p:nvSpPr>
-          <p:cNvPr id="2" name="Title 1">
-            <a:extLst>
-              <a:ext uri="{FF2B5EF4-FFF2-40B4-BE49-F238E27FC236}">
-                <a16:creationId xmlns:a16="http://schemas.microsoft.com/office/drawing/2014/main" id="{B71F44D5-F3E3-4596-B9A1-B83C34EB6F92}"/>
-              </a:ext>
-            </a:extLst>
-          </p:cNvPr>
-          <p:cNvSpPr>
-            <a:spLocks noGrp="1"/>
-          </p:cNvSpPr>
-          <p:nvPr>
-            <p:ph type="title"/>
-          </p:nvPr>
-        </p:nvSpPr>
-        <p:spPr/>
-        <p:txBody>
-          <a:bodyPr/>
-          <a:lstStyle/>
-          <a:p>
-            <a:r>
-              <a:rPr lang="en-US" b="1" dirty="0"/>
-              <a:t> Discussion</a:t>
-            </a:r>
-            <a:br>
-              <a:rPr lang="en-US" b="1" dirty="0"/>
-            </a:br>
-            <a:endParaRPr lang="en-US" dirty="0"/>
-          </a:p>
-        </p:txBody>
-      </p:sp>
-      <p:sp>
-        <p:nvSpPr>
-          <p:cNvPr id="3" name="Content Placeholder 2">
-            <a:extLst>
-              <a:ext uri="{FF2B5EF4-FFF2-40B4-BE49-F238E27FC236}">
-                <a16:creationId xmlns:a16="http://schemas.microsoft.com/office/drawing/2014/main" id="{22B17CBD-4422-40E2-B21D-B5E7F7834DFE}"/>
-              </a:ext>
-            </a:extLst>
-          </p:cNvPr>
-          <p:cNvSpPr>
-            <a:spLocks noGrp="1"/>
-          </p:cNvSpPr>
-          <p:nvPr>
-            <p:ph idx="1"/>
-          </p:nvPr>
-        </p:nvSpPr>
-        <p:spPr/>
-        <p:txBody>
-          <a:bodyPr/>
-          <a:lstStyle/>
-          <a:p>
-            <a:r>
-              <a:rPr lang="en-US" dirty="0"/>
-              <a:t>* Discuss your findings. Did you find what you expected to find? If not, why not? What inferences or general conclusions can you draw from your analysis?</a:t>
-            </a:r>
-          </a:p>
-          <a:p>
-            <a:pPr lvl="1"/>
-            <a:r>
-              <a:rPr lang="en-US" dirty="0"/>
-              <a:t>We expected to see a positive correlation between property price and benefit of renting price</a:t>
-            </a:r>
-          </a:p>
-          <a:p>
-            <a:pPr lvl="1"/>
-            <a:r>
-              <a:rPr lang="en-US" dirty="0"/>
-              <a:t>We were correct for the most part,</a:t>
-            </a:r>
-            <a:br>
-              <a:rPr lang="en-US" dirty="0"/>
-            </a:br>
-            <a:r>
-              <a:rPr lang="en-US" dirty="0"/>
-              <a:t>but surprised by some of the 4 bedroom</a:t>
-            </a:r>
-            <a:br>
-              <a:rPr lang="en-US" dirty="0"/>
-            </a:br>
-            <a:r>
-              <a:rPr lang="en-US" dirty="0"/>
-              <a:t>results.</a:t>
-            </a:r>
-          </a:p>
-          <a:p>
-            <a:endParaRPr lang="en-US" dirty="0"/>
-          </a:p>
-        </p:txBody>
-      </p:sp>
-      <p:pic>
-        <p:nvPicPr>
-          <p:cNvPr id="4" name="Picture 3">
-            <a:extLst>
-              <a:ext uri="{FF2B5EF4-FFF2-40B4-BE49-F238E27FC236}">
-                <a16:creationId xmlns:a16="http://schemas.microsoft.com/office/drawing/2014/main" id="{0E08D4BD-067A-46BC-8360-4CADA3E87021}"/>
-              </a:ext>
-            </a:extLst>
-          </p:cNvPr>
-          <p:cNvPicPr>
-            <a:picLocks noChangeAspect="1"/>
-          </p:cNvPicPr>
-          <p:nvPr/>
-        </p:nvPicPr>
-        <p:blipFill>
-          <a:blip r:embed="rId2"/>
-          <a:stretch>
-            <a:fillRect/>
-          </a:stretch>
-        </p:blipFill>
-        <p:spPr>
-          <a:xfrm>
-            <a:off x="6672007" y="3429000"/>
-            <a:ext cx="4681793" cy="2911719"/>
-          </a:xfrm>
-          <a:prstGeom prst="rect">
-            <a:avLst/>
-          </a:prstGeom>
-        </p:spPr>
-      </p:pic>
-    </p:spTree>
-    <p:extLst>
-      <p:ext uri="{BB962C8B-B14F-4D97-AF65-F5344CB8AC3E}">
-        <p14:creationId xmlns:p14="http://schemas.microsoft.com/office/powerpoint/2010/main" val="3436537391"/>
-      </p:ext>
-    </p:extLst>
-  </p:cSld>
-  <p:clrMapOvr>
-    <a:masterClrMapping/>
-  </p:clrMapOvr>
-</p:sld>
-</file>
-
-<file path=ppt/slides/slide29.xml><?xml version="1.0" encoding="utf-8"?>
-<p:sld xmlns:a="http://schemas.openxmlformats.org/drawingml/2006/main" xmlns:r="http://schemas.openxmlformats.org/officeDocument/2006/relationships" xmlns:p="http://schemas.openxmlformats.org/presentationml/2006/main">
-  <p:cSld>
-    <p:spTree>
-      <p:nvGrpSpPr>
-        <p:cNvPr id="1" name=""/>
-        <p:cNvGrpSpPr/>
-        <p:nvPr/>
-      </p:nvGrpSpPr>
-      <p:grpSpPr>
-        <a:xfrm>
-          <a:off x="0" y="0"/>
-          <a:ext cx="0" cy="0"/>
-          <a:chOff x="0" y="0"/>
-          <a:chExt cx="0" cy="0"/>
-        </a:xfrm>
-      </p:grpSpPr>
-      <p:sp>
-        <p:nvSpPr>
-          <p:cNvPr id="2" name="Title 1">
-            <a:extLst>
-              <a:ext uri="{FF2B5EF4-FFF2-40B4-BE49-F238E27FC236}">
-                <a16:creationId xmlns:a16="http://schemas.microsoft.com/office/drawing/2014/main" id="{7EEF07BA-B475-4F26-90E5-C19754AC8C1F}"/>
-              </a:ext>
-            </a:extLst>
-          </p:cNvPr>
-          <p:cNvSpPr>
-            <a:spLocks noGrp="1"/>
-          </p:cNvSpPr>
-          <p:nvPr>
-            <p:ph type="title"/>
-          </p:nvPr>
-        </p:nvSpPr>
-        <p:spPr/>
-        <p:txBody>
-          <a:bodyPr/>
-          <a:lstStyle/>
-          <a:p>
-            <a:r>
-              <a:rPr lang="en-US" b="1" dirty="0"/>
-              <a:t>* Post Mortem</a:t>
-            </a:r>
-            <a:endParaRPr lang="en-US" dirty="0"/>
-          </a:p>
-        </p:txBody>
-      </p:sp>
-      <p:sp>
-        <p:nvSpPr>
-          <p:cNvPr id="3" name="Content Placeholder 2">
-            <a:extLst>
-              <a:ext uri="{FF2B5EF4-FFF2-40B4-BE49-F238E27FC236}">
-                <a16:creationId xmlns:a16="http://schemas.microsoft.com/office/drawing/2014/main" id="{6FE4A23F-6346-4DC0-B8DB-B3103EF2C044}"/>
-              </a:ext>
-            </a:extLst>
-          </p:cNvPr>
-          <p:cNvSpPr>
-            <a:spLocks noGrp="1"/>
-          </p:cNvSpPr>
-          <p:nvPr>
-            <p:ph idx="1"/>
-          </p:nvPr>
-        </p:nvSpPr>
-        <p:spPr/>
-        <p:txBody>
-          <a:bodyPr/>
-          <a:lstStyle/>
-          <a:p>
-            <a:r>
-              <a:rPr lang="en-US" dirty="0"/>
-              <a:t>* Discuss any difficulties that arose, and how you dealt with them</a:t>
-            </a:r>
-          </a:p>
-          <a:p>
-            <a:r>
-              <a:rPr lang="en-US" dirty="0"/>
-              <a:t>  * Discuss any additional questions that came up, but which you didn't have time to answer: What would you research next, if you had two more weeks?</a:t>
-            </a:r>
-          </a:p>
-          <a:p>
-            <a:endParaRPr lang="en-US" dirty="0"/>
-          </a:p>
-        </p:txBody>
-      </p:sp>
-    </p:spTree>
-    <p:extLst>
-      <p:ext uri="{BB962C8B-B14F-4D97-AF65-F5344CB8AC3E}">
-        <p14:creationId xmlns:p14="http://schemas.microsoft.com/office/powerpoint/2010/main" val="4024859818"/>
+        <p14:creationId xmlns:p14="http://schemas.microsoft.com/office/powerpoint/2010/main" val="1099755793"/>
       </p:ext>
     </p:extLst>
   </p:cSld>
@@ -9073,315 +7769,6 @@
     <p:extLst>
       <p:ext uri="{BB962C8B-B14F-4D97-AF65-F5344CB8AC3E}">
         <p14:creationId xmlns:p14="http://schemas.microsoft.com/office/powerpoint/2010/main" val="2809343685"/>
-      </p:ext>
-    </p:extLst>
-  </p:cSld>
-  <p:clrMapOvr>
-    <a:masterClrMapping/>
-  </p:clrMapOvr>
-</p:sld>
-</file>
-
-<file path=ppt/slides/slide30.xml><?xml version="1.0" encoding="utf-8"?>
-<p:sld xmlns:a="http://schemas.openxmlformats.org/drawingml/2006/main" xmlns:r="http://schemas.openxmlformats.org/officeDocument/2006/relationships" xmlns:p="http://schemas.openxmlformats.org/presentationml/2006/main">
-  <p:cSld>
-    <p:spTree>
-      <p:nvGrpSpPr>
-        <p:cNvPr id="1" name=""/>
-        <p:cNvGrpSpPr/>
-        <p:nvPr/>
-      </p:nvGrpSpPr>
-      <p:grpSpPr>
-        <a:xfrm>
-          <a:off x="0" y="0"/>
-          <a:ext cx="0" cy="0"/>
-          <a:chOff x="0" y="0"/>
-          <a:chExt cx="0" cy="0"/>
-        </a:xfrm>
-      </p:grpSpPr>
-      <p:sp>
-        <p:nvSpPr>
-          <p:cNvPr id="2" name="Title 1">
-            <a:extLst>
-              <a:ext uri="{FF2B5EF4-FFF2-40B4-BE49-F238E27FC236}">
-                <a16:creationId xmlns:a16="http://schemas.microsoft.com/office/drawing/2014/main" id="{20C39997-78C6-4A92-A1CD-D10C03E6919D}"/>
-              </a:ext>
-            </a:extLst>
-          </p:cNvPr>
-          <p:cNvSpPr>
-            <a:spLocks noGrp="1"/>
-          </p:cNvSpPr>
-          <p:nvPr>
-            <p:ph type="title"/>
-          </p:nvPr>
-        </p:nvSpPr>
-        <p:spPr/>
-        <p:txBody>
-          <a:bodyPr/>
-          <a:lstStyle/>
-          <a:p>
-            <a:r>
-              <a:rPr lang="en-US" dirty="0"/>
-              <a:t>Post Mortem</a:t>
-            </a:r>
-          </a:p>
-        </p:txBody>
-      </p:sp>
-      <p:sp>
-        <p:nvSpPr>
-          <p:cNvPr id="3" name="Content Placeholder 2">
-            <a:extLst>
-              <a:ext uri="{FF2B5EF4-FFF2-40B4-BE49-F238E27FC236}">
-                <a16:creationId xmlns:a16="http://schemas.microsoft.com/office/drawing/2014/main" id="{ADA6522B-FAAE-4A49-B31A-AF41B29519F2}"/>
-              </a:ext>
-            </a:extLst>
-          </p:cNvPr>
-          <p:cNvSpPr>
-            <a:spLocks noGrp="1"/>
-          </p:cNvSpPr>
-          <p:nvPr>
-            <p:ph idx="1"/>
-          </p:nvPr>
-        </p:nvSpPr>
-        <p:spPr/>
-        <p:txBody>
-          <a:bodyPr/>
-          <a:lstStyle/>
-          <a:p>
-            <a:r>
-              <a:rPr lang="en-US" dirty="0"/>
-              <a:t>We had more trouble than we first thought on finding the occupancy rate. After using searching our csv files we realized the data was readily available. </a:t>
-            </a:r>
-          </a:p>
-          <a:p>
-            <a:r>
-              <a:rPr lang="en-US" dirty="0"/>
-              <a:t>So using statistics from another part of the website we were able to find the occupancy rates, carucate each cities rate and add a column back into our </a:t>
-            </a:r>
-            <a:r>
-              <a:rPr lang="en-US" dirty="0" err="1"/>
-              <a:t>dataframe</a:t>
-            </a:r>
-            <a:r>
-              <a:rPr lang="en-US" dirty="0"/>
-              <a:t> before plotting our results.</a:t>
-            </a:r>
-          </a:p>
-        </p:txBody>
-      </p:sp>
-    </p:spTree>
-    <p:extLst>
-      <p:ext uri="{BB962C8B-B14F-4D97-AF65-F5344CB8AC3E}">
-        <p14:creationId xmlns:p14="http://schemas.microsoft.com/office/powerpoint/2010/main" val="862328845"/>
-      </p:ext>
-    </p:extLst>
-  </p:cSld>
-  <p:clrMapOvr>
-    <a:masterClrMapping/>
-  </p:clrMapOvr>
-</p:sld>
-</file>
-
-<file path=ppt/slides/slide31.xml><?xml version="1.0" encoding="utf-8"?>
-<p:sld xmlns:a="http://schemas.openxmlformats.org/drawingml/2006/main" xmlns:r="http://schemas.openxmlformats.org/officeDocument/2006/relationships" xmlns:p="http://schemas.openxmlformats.org/presentationml/2006/main">
-  <p:cSld>
-    <p:spTree>
-      <p:nvGrpSpPr>
-        <p:cNvPr id="1" name=""/>
-        <p:cNvGrpSpPr/>
-        <p:nvPr/>
-      </p:nvGrpSpPr>
-      <p:grpSpPr>
-        <a:xfrm>
-          <a:off x="0" y="0"/>
-          <a:ext cx="0" cy="0"/>
-          <a:chOff x="0" y="0"/>
-          <a:chExt cx="0" cy="0"/>
-        </a:xfrm>
-      </p:grpSpPr>
-      <p:sp>
-        <p:nvSpPr>
-          <p:cNvPr id="2" name="Title 1">
-            <a:extLst>
-              <a:ext uri="{FF2B5EF4-FFF2-40B4-BE49-F238E27FC236}">
-                <a16:creationId xmlns:a16="http://schemas.microsoft.com/office/drawing/2014/main" id="{08A0AD44-7FDD-4DA5-BADF-928067663473}"/>
-              </a:ext>
-            </a:extLst>
-          </p:cNvPr>
-          <p:cNvSpPr>
-            <a:spLocks noGrp="1"/>
-          </p:cNvSpPr>
-          <p:nvPr>
-            <p:ph type="title"/>
-          </p:nvPr>
-        </p:nvSpPr>
-        <p:spPr/>
-        <p:txBody>
-          <a:bodyPr/>
-          <a:lstStyle/>
-          <a:p>
-            <a:r>
-              <a:rPr lang="en-US" dirty="0"/>
-              <a:t>* Questions &amp; Data</a:t>
-            </a:r>
-            <a:br>
-              <a:rPr lang="en-US" dirty="0"/>
-            </a:br>
-            <a:endParaRPr lang="en-US" dirty="0"/>
-          </a:p>
-        </p:txBody>
-      </p:sp>
-      <p:sp>
-        <p:nvSpPr>
-          <p:cNvPr id="3" name="Content Placeholder 2">
-            <a:extLst>
-              <a:ext uri="{FF2B5EF4-FFF2-40B4-BE49-F238E27FC236}">
-                <a16:creationId xmlns:a16="http://schemas.microsoft.com/office/drawing/2014/main" id="{85B1CED6-1AA8-4FE7-B82F-056C3B868AD1}"/>
-              </a:ext>
-            </a:extLst>
-          </p:cNvPr>
-          <p:cNvSpPr>
-            <a:spLocks noGrp="1"/>
-          </p:cNvSpPr>
-          <p:nvPr>
-            <p:ph idx="1"/>
-          </p:nvPr>
-        </p:nvSpPr>
-        <p:spPr/>
-        <p:txBody>
-          <a:bodyPr/>
-          <a:lstStyle/>
-          <a:p>
-            <a:pPr marL="0" indent="0">
-              <a:buNone/>
-            </a:pPr>
-            <a:endParaRPr lang="en-US" dirty="0"/>
-          </a:p>
-          <a:p>
-            <a:r>
-              <a:rPr lang="en-US" dirty="0"/>
-              <a:t>  * Elaborate on the questions you asked, describing what kinds of data you needed to answer them, and where you found it</a:t>
-            </a:r>
-          </a:p>
-        </p:txBody>
-      </p:sp>
-    </p:spTree>
-    <p:extLst>
-      <p:ext uri="{BB962C8B-B14F-4D97-AF65-F5344CB8AC3E}">
-        <p14:creationId xmlns:p14="http://schemas.microsoft.com/office/powerpoint/2010/main" val="643393734"/>
-      </p:ext>
-    </p:extLst>
-  </p:cSld>
-  <p:clrMapOvr>
-    <a:masterClrMapping/>
-  </p:clrMapOvr>
-</p:sld>
-</file>
-
-<file path=ppt/slides/slide32.xml><?xml version="1.0" encoding="utf-8"?>
-<p:sld xmlns:a="http://schemas.openxmlformats.org/drawingml/2006/main" xmlns:r="http://schemas.openxmlformats.org/officeDocument/2006/relationships" xmlns:p="http://schemas.openxmlformats.org/presentationml/2006/main">
-  <p:cSld>
-    <p:spTree>
-      <p:nvGrpSpPr>
-        <p:cNvPr id="1" name=""/>
-        <p:cNvGrpSpPr/>
-        <p:nvPr/>
-      </p:nvGrpSpPr>
-      <p:grpSpPr>
-        <a:xfrm>
-          <a:off x="0" y="0"/>
-          <a:ext cx="0" cy="0"/>
-          <a:chOff x="0" y="0"/>
-          <a:chExt cx="0" cy="0"/>
-        </a:xfrm>
-      </p:grpSpPr>
-      <p:sp>
-        <p:nvSpPr>
-          <p:cNvPr id="2" name="Title 1">
-            <a:extLst>
-              <a:ext uri="{FF2B5EF4-FFF2-40B4-BE49-F238E27FC236}">
-                <a16:creationId xmlns:a16="http://schemas.microsoft.com/office/drawing/2014/main" id="{B5A53CAB-C99B-44B8-9D1B-A7F57A8F8429}"/>
-              </a:ext>
-            </a:extLst>
-          </p:cNvPr>
-          <p:cNvSpPr>
-            <a:spLocks noGrp="1"/>
-          </p:cNvSpPr>
-          <p:nvPr>
-            <p:ph type="title"/>
-          </p:nvPr>
-        </p:nvSpPr>
-        <p:spPr/>
-        <p:txBody>
-          <a:bodyPr/>
-          <a:lstStyle/>
-          <a:p>
-            <a:r>
-              <a:rPr lang="en-US" b="1" dirty="0"/>
-              <a:t>* Data Cleanup &amp; Exploration</a:t>
-            </a:r>
-            <a:br>
-              <a:rPr lang="en-US" b="1" dirty="0"/>
-            </a:br>
-            <a:endParaRPr lang="en-US" dirty="0"/>
-          </a:p>
-        </p:txBody>
-      </p:sp>
-      <p:sp>
-        <p:nvSpPr>
-          <p:cNvPr id="3" name="Content Placeholder 2">
-            <a:extLst>
-              <a:ext uri="{FF2B5EF4-FFF2-40B4-BE49-F238E27FC236}">
-                <a16:creationId xmlns:a16="http://schemas.microsoft.com/office/drawing/2014/main" id="{154BD453-AB8A-4B7B-9F19-B3231C2DA00B}"/>
-              </a:ext>
-            </a:extLst>
-          </p:cNvPr>
-          <p:cNvSpPr>
-            <a:spLocks noGrp="1"/>
-          </p:cNvSpPr>
-          <p:nvPr>
-            <p:ph idx="1"/>
-          </p:nvPr>
-        </p:nvSpPr>
-        <p:spPr/>
-        <p:txBody>
-          <a:bodyPr>
-            <a:normAutofit/>
-          </a:bodyPr>
-          <a:lstStyle/>
-          <a:p>
-            <a:r>
-              <a:rPr lang="en-US" dirty="0"/>
-              <a:t>* Describe the exploration and cleanup process</a:t>
-            </a:r>
-          </a:p>
-          <a:p>
-            <a:r>
-              <a:rPr lang="en-US" dirty="0"/>
-              <a:t>  * Discuss insights you had while exploring the data that you didn't anticipate</a:t>
-            </a:r>
-          </a:p>
-          <a:p>
-            <a:r>
-              <a:rPr lang="en-US" dirty="0"/>
-              <a:t>  * Discuss any problems that arose after exploring the data, and how you resolved them</a:t>
-            </a:r>
-          </a:p>
-          <a:p>
-            <a:r>
-              <a:rPr lang="en-US" dirty="0"/>
-              <a:t>  * Present and discuss interesting figures developed during exploration, ideally with the help of Jupyter Notebook</a:t>
-            </a:r>
-          </a:p>
-          <a:p>
-            <a:endParaRPr lang="en-US" dirty="0"/>
-          </a:p>
-        </p:txBody>
-      </p:sp>
-    </p:spTree>
-    <p:extLst>
-      <p:ext uri="{BB962C8B-B14F-4D97-AF65-F5344CB8AC3E}">
-        <p14:creationId xmlns:p14="http://schemas.microsoft.com/office/powerpoint/2010/main" val="673968752"/>
       </p:ext>
     </p:extLst>
   </p:cSld>

--- a/Team Cinco.pptx
+++ b/Team Cinco.pptx
@@ -20,8 +20,8 @@
     <p:sldId id="314" r:id="rId14"/>
     <p:sldId id="294" r:id="rId15"/>
     <p:sldId id="305" r:id="rId16"/>
-    <p:sldId id="307" r:id="rId17"/>
-    <p:sldId id="309" r:id="rId18"/>
+    <p:sldId id="309" r:id="rId17"/>
+    <p:sldId id="307" r:id="rId18"/>
     <p:sldId id="290" r:id="rId19"/>
     <p:sldId id="308" r:id="rId20"/>
     <p:sldId id="279" r:id="rId21"/>
@@ -6636,7 +6636,7 @@
             </a:pPr>
             <a:r>
               <a:rPr lang="en-US" sz="3200" dirty="0"/>
-              <a:t>Chicago </a:t>
+              <a:t>Chicago – 0.11%</a:t>
             </a:r>
           </a:p>
           <a:p>
@@ -6646,7 +6646,7 @@
             </a:pPr>
             <a:r>
               <a:rPr lang="en-US" sz="3200" dirty="0"/>
-              <a:t>Austin</a:t>
+              <a:t>Austin – 0.09%</a:t>
             </a:r>
           </a:p>
           <a:p>
@@ -6656,7 +6656,7 @@
             </a:pPr>
             <a:r>
               <a:rPr lang="en-US" sz="3200" dirty="0"/>
-              <a:t>Boston </a:t>
+              <a:t>Boston – 0.07%</a:t>
             </a:r>
           </a:p>
           <a:p>
@@ -6666,7 +6666,7 @@
             </a:pPr>
             <a:r>
               <a:rPr lang="en-US" sz="3200" dirty="0"/>
-              <a:t>Seattle</a:t>
+              <a:t>Seattle – 0.05%</a:t>
             </a:r>
           </a:p>
           <a:p>
@@ -6676,7 +6676,7 @@
             </a:pPr>
             <a:r>
               <a:rPr lang="en-US" sz="3200" dirty="0"/>
-              <a:t>San Diego</a:t>
+              <a:t>San Diego – 0.05%</a:t>
             </a:r>
           </a:p>
         </p:txBody>
@@ -6793,7 +6793,9 @@
         </p:nvSpPr>
         <p:spPr/>
         <p:txBody>
-          <a:bodyPr/>
+          <a:bodyPr>
+            <a:normAutofit lnSpcReduction="10000"/>
+          </a:bodyPr>
           <a:lstStyle/>
           <a:p>
             <a:r>
@@ -6811,7 +6813,7 @@
           <a:p>
             <a:r>
               <a:rPr lang="en-US" dirty="0"/>
-              <a:t>The best individual return on investment is Austin’s 4 Bedrooms. The worst investment is San Diego’s 5 Bedroom homes.</a:t>
+              <a:t>The best individual return on investment is Austin’s 4 Bedrooms homes (0.17%). The worst investment is San Diego’s 5 Bedroom homes (0.04%)</a:t>
             </a:r>
           </a:p>
           <a:p>
@@ -6857,148 +6859,6 @@
 </file>
 
 <file path=ppt/slides/slide16.xml><?xml version="1.0" encoding="utf-8"?>
-<p:sld xmlns:a="http://schemas.openxmlformats.org/drawingml/2006/main" xmlns:r="http://schemas.openxmlformats.org/officeDocument/2006/relationships" xmlns:p="http://schemas.openxmlformats.org/presentationml/2006/main">
-  <p:cSld>
-    <p:spTree>
-      <p:nvGrpSpPr>
-        <p:cNvPr id="1" name=""/>
-        <p:cNvGrpSpPr/>
-        <p:nvPr/>
-      </p:nvGrpSpPr>
-      <p:grpSpPr>
-        <a:xfrm>
-          <a:off x="0" y="0"/>
-          <a:ext cx="0" cy="0"/>
-          <a:chOff x="0" y="0"/>
-          <a:chExt cx="0" cy="0"/>
-        </a:xfrm>
-      </p:grpSpPr>
-      <p:sp>
-        <p:nvSpPr>
-          <p:cNvPr id="2" name="Title 1">
-            <a:extLst>
-              <a:ext uri="{FF2B5EF4-FFF2-40B4-BE49-F238E27FC236}">
-                <a16:creationId xmlns:a16="http://schemas.microsoft.com/office/drawing/2014/main" id="{E74521B2-33DE-4BDB-AAE4-0FB5BE46F5E7}"/>
-              </a:ext>
-            </a:extLst>
-          </p:cNvPr>
-          <p:cNvSpPr>
-            <a:spLocks noGrp="1"/>
-          </p:cNvSpPr>
-          <p:nvPr>
-            <p:ph type="title"/>
-          </p:nvPr>
-        </p:nvSpPr>
-        <p:spPr/>
-        <p:txBody>
-          <a:bodyPr/>
-          <a:lstStyle/>
-          <a:p>
-            <a:r>
-              <a:rPr lang="en-US" dirty="0"/>
-              <a:t>Data Obstacles</a:t>
-            </a:r>
-          </a:p>
-        </p:txBody>
-      </p:sp>
-      <p:sp>
-        <p:nvSpPr>
-          <p:cNvPr id="3" name="Content Placeholder 2">
-            <a:extLst>
-              <a:ext uri="{FF2B5EF4-FFF2-40B4-BE49-F238E27FC236}">
-                <a16:creationId xmlns:a16="http://schemas.microsoft.com/office/drawing/2014/main" id="{870AE8E6-9314-43E9-AF94-D05750B19F8F}"/>
-              </a:ext>
-            </a:extLst>
-          </p:cNvPr>
-          <p:cNvSpPr>
-            <a:spLocks noGrp="1"/>
-          </p:cNvSpPr>
-          <p:nvPr>
-            <p:ph idx="1"/>
-          </p:nvPr>
-        </p:nvSpPr>
-        <p:spPr/>
-        <p:txBody>
-          <a:bodyPr/>
-          <a:lstStyle/>
-          <a:p>
-            <a:r>
-              <a:rPr lang="en-US" dirty="0"/>
-              <a:t>Our original data collection did not include occupancy rates on the csv files. </a:t>
-            </a:r>
-          </a:p>
-          <a:p>
-            <a:r>
-              <a:rPr lang="en-US" dirty="0"/>
-              <a:t>We found the statistics for occupancy rate in each city on the front end of Inside Airbnb’s website</a:t>
-            </a:r>
-          </a:p>
-          <a:p>
-            <a:r>
-              <a:rPr lang="en-US" dirty="0"/>
-              <a:t>Using that data we were able to create a </a:t>
-            </a:r>
-            <a:br>
-              <a:rPr lang="en-US" dirty="0"/>
-            </a:br>
-            <a:r>
-              <a:rPr lang="en-US" dirty="0"/>
-              <a:t>new column and merge it into our data </a:t>
-            </a:r>
-            <a:br>
-              <a:rPr lang="en-US" dirty="0"/>
-            </a:br>
-            <a:r>
-              <a:rPr lang="en-US" dirty="0"/>
-              <a:t>frame before we plotted our graphs</a:t>
-            </a:r>
-          </a:p>
-        </p:txBody>
-      </p:sp>
-      <p:pic>
-        <p:nvPicPr>
-          <p:cNvPr id="4" name="Picture 3">
-            <a:extLst>
-              <a:ext uri="{FF2B5EF4-FFF2-40B4-BE49-F238E27FC236}">
-                <a16:creationId xmlns:a16="http://schemas.microsoft.com/office/drawing/2014/main" id="{786EE1BA-1DEF-4DA9-9771-0F3E6DB94F91}"/>
-              </a:ext>
-            </a:extLst>
-          </p:cNvPr>
-          <p:cNvPicPr>
-            <a:picLocks noChangeAspect="1"/>
-          </p:cNvPicPr>
-          <p:nvPr/>
-        </p:nvPicPr>
-        <p:blipFill>
-          <a:blip r:embed="rId2"/>
-          <a:stretch>
-            <a:fillRect/>
-          </a:stretch>
-        </p:blipFill>
-        <p:spPr>
-          <a:xfrm>
-            <a:off x="6902607" y="3613350"/>
-            <a:ext cx="4723110" cy="2782805"/>
-          </a:xfrm>
-          <a:prstGeom prst="rect">
-            <a:avLst/>
-          </a:prstGeom>
-        </p:spPr>
-      </p:pic>
-    </p:spTree>
-    <p:extLst>
-      <p:ext uri="{BB962C8B-B14F-4D97-AF65-F5344CB8AC3E}">
-        <p14:creationId xmlns:p14="http://schemas.microsoft.com/office/powerpoint/2010/main" val="3066057426"/>
-      </p:ext>
-    </p:extLst>
-  </p:cSld>
-  <p:clrMapOvr>
-    <a:masterClrMapping/>
-  </p:clrMapOvr>
-</p:sld>
-</file>
-
-<file path=ppt/slides/slide17.xml><?xml version="1.0" encoding="utf-8"?>
 <p:sld xmlns:a="http://schemas.openxmlformats.org/drawingml/2006/main" xmlns:r="http://schemas.openxmlformats.org/officeDocument/2006/relationships" xmlns:p="http://schemas.openxmlformats.org/presentationml/2006/main">
   <p:cSld>
     <p:spTree>
@@ -7159,6 +7019,148 @@
 </p:sld>
 </file>
 
+<file path=ppt/slides/slide17.xml><?xml version="1.0" encoding="utf-8"?>
+<p:sld xmlns:a="http://schemas.openxmlformats.org/drawingml/2006/main" xmlns:r="http://schemas.openxmlformats.org/officeDocument/2006/relationships" xmlns:p="http://schemas.openxmlformats.org/presentationml/2006/main">
+  <p:cSld>
+    <p:spTree>
+      <p:nvGrpSpPr>
+        <p:cNvPr id="1" name=""/>
+        <p:cNvGrpSpPr/>
+        <p:nvPr/>
+      </p:nvGrpSpPr>
+      <p:grpSpPr>
+        <a:xfrm>
+          <a:off x="0" y="0"/>
+          <a:ext cx="0" cy="0"/>
+          <a:chOff x="0" y="0"/>
+          <a:chExt cx="0" cy="0"/>
+        </a:xfrm>
+      </p:grpSpPr>
+      <p:sp>
+        <p:nvSpPr>
+          <p:cNvPr id="2" name="Title 1">
+            <a:extLst>
+              <a:ext uri="{FF2B5EF4-FFF2-40B4-BE49-F238E27FC236}">
+                <a16:creationId xmlns:a16="http://schemas.microsoft.com/office/drawing/2014/main" id="{E74521B2-33DE-4BDB-AAE4-0FB5BE46F5E7}"/>
+              </a:ext>
+            </a:extLst>
+          </p:cNvPr>
+          <p:cNvSpPr>
+            <a:spLocks noGrp="1"/>
+          </p:cNvSpPr>
+          <p:nvPr>
+            <p:ph type="title"/>
+          </p:nvPr>
+        </p:nvSpPr>
+        <p:spPr/>
+        <p:txBody>
+          <a:bodyPr/>
+          <a:lstStyle/>
+          <a:p>
+            <a:r>
+              <a:rPr lang="en-US" dirty="0"/>
+              <a:t>Data Obstacles</a:t>
+            </a:r>
+          </a:p>
+        </p:txBody>
+      </p:sp>
+      <p:sp>
+        <p:nvSpPr>
+          <p:cNvPr id="3" name="Content Placeholder 2">
+            <a:extLst>
+              <a:ext uri="{FF2B5EF4-FFF2-40B4-BE49-F238E27FC236}">
+                <a16:creationId xmlns:a16="http://schemas.microsoft.com/office/drawing/2014/main" id="{870AE8E6-9314-43E9-AF94-D05750B19F8F}"/>
+              </a:ext>
+            </a:extLst>
+          </p:cNvPr>
+          <p:cNvSpPr>
+            <a:spLocks noGrp="1"/>
+          </p:cNvSpPr>
+          <p:nvPr>
+            <p:ph idx="1"/>
+          </p:nvPr>
+        </p:nvSpPr>
+        <p:spPr/>
+        <p:txBody>
+          <a:bodyPr/>
+          <a:lstStyle/>
+          <a:p>
+            <a:r>
+              <a:rPr lang="en-US" dirty="0"/>
+              <a:t>Our original data collection did not include occupancy rates on the csv files. </a:t>
+            </a:r>
+          </a:p>
+          <a:p>
+            <a:r>
+              <a:rPr lang="en-US" dirty="0"/>
+              <a:t>We found the statistics for occupancy rate in each city on the front end of Inside Airbnb’s website</a:t>
+            </a:r>
+          </a:p>
+          <a:p>
+            <a:r>
+              <a:rPr lang="en-US" dirty="0"/>
+              <a:t>Using that data we were able to create a </a:t>
+            </a:r>
+            <a:br>
+              <a:rPr lang="en-US" dirty="0"/>
+            </a:br>
+            <a:r>
+              <a:rPr lang="en-US" dirty="0"/>
+              <a:t>new column and merge it into our data </a:t>
+            </a:r>
+            <a:br>
+              <a:rPr lang="en-US" dirty="0"/>
+            </a:br>
+            <a:r>
+              <a:rPr lang="en-US" dirty="0"/>
+              <a:t>frame before we plotted our graphs</a:t>
+            </a:r>
+          </a:p>
+        </p:txBody>
+      </p:sp>
+      <p:pic>
+        <p:nvPicPr>
+          <p:cNvPr id="4" name="Picture 3">
+            <a:extLst>
+              <a:ext uri="{FF2B5EF4-FFF2-40B4-BE49-F238E27FC236}">
+                <a16:creationId xmlns:a16="http://schemas.microsoft.com/office/drawing/2014/main" id="{786EE1BA-1DEF-4DA9-9771-0F3E6DB94F91}"/>
+              </a:ext>
+            </a:extLst>
+          </p:cNvPr>
+          <p:cNvPicPr>
+            <a:picLocks noChangeAspect="1"/>
+          </p:cNvPicPr>
+          <p:nvPr/>
+        </p:nvPicPr>
+        <p:blipFill>
+          <a:blip r:embed="rId2"/>
+          <a:stretch>
+            <a:fillRect/>
+          </a:stretch>
+        </p:blipFill>
+        <p:spPr>
+          <a:xfrm>
+            <a:off x="6902607" y="3613350"/>
+            <a:ext cx="4723110" cy="2782805"/>
+          </a:xfrm>
+          <a:prstGeom prst="rect">
+            <a:avLst/>
+          </a:prstGeom>
+        </p:spPr>
+      </p:pic>
+    </p:spTree>
+    <p:extLst>
+      <p:ext uri="{BB962C8B-B14F-4D97-AF65-F5344CB8AC3E}">
+        <p14:creationId xmlns:p14="http://schemas.microsoft.com/office/powerpoint/2010/main" val="3066057426"/>
+      </p:ext>
+    </p:extLst>
+  </p:cSld>
+  <p:clrMapOvr>
+    <a:masterClrMapping/>
+  </p:clrMapOvr>
+</p:sld>
+</file>
+
 <file path=ppt/slides/slide18.xml><?xml version="1.0" encoding="utf-8"?>
 <p:sld xmlns:a="http://schemas.openxmlformats.org/drawingml/2006/main" xmlns:r="http://schemas.openxmlformats.org/officeDocument/2006/relationships" xmlns:p="http://schemas.openxmlformats.org/presentationml/2006/main">
   <p:cSld>
@@ -7227,14 +7229,14 @@
           <a:p>
             <a:r>
               <a:rPr lang="en-US" dirty="0"/>
-              <a:t>What would we research next or more in detail if we had more time?</a:t>
+              <a:t>What would we research next or in more detail if we had more time?</a:t>
             </a:r>
           </a:p>
           <a:p>
             <a:pPr lvl="1"/>
             <a:r>
               <a:rPr lang="en-US" dirty="0"/>
-              <a:t>More cities</a:t>
+              <a:t>Examine more cities using existing code</a:t>
             </a:r>
           </a:p>
           <a:p>
@@ -7245,17 +7247,24 @@
             </a:r>
           </a:p>
           <a:p>
+            <a:pPr lvl="2"/>
+            <a:r>
+              <a:rPr lang="en-US" dirty="0"/>
+              <a:t>Create a Geo-map based on longitude and latitude</a:t>
+            </a:r>
+          </a:p>
+          <a:p>
             <a:pPr lvl="1"/>
             <a:r>
               <a:rPr lang="en-US" dirty="0"/>
-              <a:t>Long term rental markets return on investment</a:t>
+              <a:t>Use new data source for long term rental markets return on investment</a:t>
             </a:r>
           </a:p>
           <a:p>
             <a:pPr lvl="1"/>
             <a:r>
               <a:rPr lang="en-US" dirty="0"/>
-              <a:t>Exit strategy or ability to sell quickly and at what value</a:t>
+              <a:t>Use Realtor.com csv to analyze exit strategy or ability to sell quickly and at what value</a:t>
             </a:r>
           </a:p>
           <a:p>

--- a/Team Cinco.pptx
+++ b/Team Cinco.pptx
@@ -123,6 +123,11 @@
       </a:defRPr>
     </a:lvl9pPr>
   </p:defaultTextStyle>
+  <p:extLst>
+    <p:ext uri="{EFAFB233-063F-42B5-8137-9DF3F51BA10A}">
+      <p15:sldGuideLst xmlns:p15="http://schemas.microsoft.com/office/powerpoint/2012/main"/>
+    </p:ext>
+  </p:extLst>
 </p:presentation>
 </file>
 
@@ -312,7 +317,7 @@
           <a:p>
             <a:fld id="{77A51DAD-568B-4CBD-A82C-A1BC36AF63F2}" type="datetimeFigureOut">
               <a:rPr lang="en-US" smtClean="0"/>
-              <a:t>1/14/2019</a:t>
+              <a:t>1/25/2019</a:t>
             </a:fld>
             <a:endParaRPr lang="en-US"/>
           </a:p>
@@ -587,7 +592,7 @@
           <a:p>
             <a:fld id="{77A51DAD-568B-4CBD-A82C-A1BC36AF63F2}" type="datetimeFigureOut">
               <a:rPr lang="en-US" smtClean="0"/>
-              <a:t>1/14/2019</a:t>
+              <a:t>1/25/2019</a:t>
             </a:fld>
             <a:endParaRPr lang="en-US"/>
           </a:p>
@@ -781,7 +786,7 @@
           <a:p>
             <a:fld id="{77A51DAD-568B-4CBD-A82C-A1BC36AF63F2}" type="datetimeFigureOut">
               <a:rPr lang="en-US" smtClean="0"/>
-              <a:t>1/14/2019</a:t>
+              <a:t>1/25/2019</a:t>
             </a:fld>
             <a:endParaRPr lang="en-US"/>
           </a:p>
@@ -1054,7 +1059,7 @@
           <a:p>
             <a:fld id="{77A51DAD-568B-4CBD-A82C-A1BC36AF63F2}" type="datetimeFigureOut">
               <a:rPr lang="en-US" smtClean="0"/>
-              <a:t>1/14/2019</a:t>
+              <a:t>1/25/2019</a:t>
             </a:fld>
             <a:endParaRPr lang="en-US"/>
           </a:p>
@@ -1395,7 +1400,7 @@
           <a:p>
             <a:fld id="{77A51DAD-568B-4CBD-A82C-A1BC36AF63F2}" type="datetimeFigureOut">
               <a:rPr lang="en-US" smtClean="0"/>
-              <a:t>1/14/2019</a:t>
+              <a:t>1/25/2019</a:t>
             </a:fld>
             <a:endParaRPr lang="en-US"/>
           </a:p>
@@ -2018,7 +2023,7 @@
           <a:p>
             <a:fld id="{77A51DAD-568B-4CBD-A82C-A1BC36AF63F2}" type="datetimeFigureOut">
               <a:rPr lang="en-US" smtClean="0"/>
-              <a:t>1/14/2019</a:t>
+              <a:t>1/25/2019</a:t>
             </a:fld>
             <a:endParaRPr lang="en-US"/>
           </a:p>
@@ -2878,7 +2883,7 @@
           <a:p>
             <a:fld id="{77A51DAD-568B-4CBD-A82C-A1BC36AF63F2}" type="datetimeFigureOut">
               <a:rPr lang="en-US" smtClean="0"/>
-              <a:t>1/14/2019</a:t>
+              <a:t>1/25/2019</a:t>
             </a:fld>
             <a:endParaRPr lang="en-US"/>
           </a:p>
@@ -3048,7 +3053,7 @@
           <a:p>
             <a:fld id="{77A51DAD-568B-4CBD-A82C-A1BC36AF63F2}" type="datetimeFigureOut">
               <a:rPr lang="en-US" smtClean="0"/>
-              <a:t>1/14/2019</a:t>
+              <a:t>1/25/2019</a:t>
             </a:fld>
             <a:endParaRPr lang="en-US"/>
           </a:p>
@@ -3228,7 +3233,7 @@
           <a:p>
             <a:fld id="{77A51DAD-568B-4CBD-A82C-A1BC36AF63F2}" type="datetimeFigureOut">
               <a:rPr lang="en-US" smtClean="0"/>
-              <a:t>1/14/2019</a:t>
+              <a:t>1/25/2019</a:t>
             </a:fld>
             <a:endParaRPr lang="en-US"/>
           </a:p>
@@ -3398,7 +3403,7 @@
           <a:p>
             <a:fld id="{77A51DAD-568B-4CBD-A82C-A1BC36AF63F2}" type="datetimeFigureOut">
               <a:rPr lang="en-US" smtClean="0"/>
-              <a:t>1/14/2019</a:t>
+              <a:t>1/25/2019</a:t>
             </a:fld>
             <a:endParaRPr lang="en-US"/>
           </a:p>
@@ -3645,7 +3650,7 @@
           <a:p>
             <a:fld id="{77A51DAD-568B-4CBD-A82C-A1BC36AF63F2}" type="datetimeFigureOut">
               <a:rPr lang="en-US" smtClean="0"/>
-              <a:t>1/14/2019</a:t>
+              <a:t>1/25/2019</a:t>
             </a:fld>
             <a:endParaRPr lang="en-US"/>
           </a:p>
@@ -3937,7 +3942,7 @@
           <a:p>
             <a:fld id="{77A51DAD-568B-4CBD-A82C-A1BC36AF63F2}" type="datetimeFigureOut">
               <a:rPr lang="en-US" smtClean="0"/>
-              <a:t>1/14/2019</a:t>
+              <a:t>1/25/2019</a:t>
             </a:fld>
             <a:endParaRPr lang="en-US"/>
           </a:p>
@@ -4381,7 +4386,7 @@
           <a:p>
             <a:fld id="{77A51DAD-568B-4CBD-A82C-A1BC36AF63F2}" type="datetimeFigureOut">
               <a:rPr lang="en-US" smtClean="0"/>
-              <a:t>1/14/2019</a:t>
+              <a:t>1/25/2019</a:t>
             </a:fld>
             <a:endParaRPr lang="en-US"/>
           </a:p>
@@ -4499,7 +4504,7 @@
           <a:p>
             <a:fld id="{77A51DAD-568B-4CBD-A82C-A1BC36AF63F2}" type="datetimeFigureOut">
               <a:rPr lang="en-US" smtClean="0"/>
-              <a:t>1/14/2019</a:t>
+              <a:t>1/25/2019</a:t>
             </a:fld>
             <a:endParaRPr lang="en-US"/>
           </a:p>
@@ -4594,7 +4599,7 @@
           <a:p>
             <a:fld id="{77A51DAD-568B-4CBD-A82C-A1BC36AF63F2}" type="datetimeFigureOut">
               <a:rPr lang="en-US" smtClean="0"/>
-              <a:t>1/14/2019</a:t>
+              <a:t>1/25/2019</a:t>
             </a:fld>
             <a:endParaRPr lang="en-US"/>
           </a:p>
@@ -4873,7 +4878,7 @@
           <a:p>
             <a:fld id="{77A51DAD-568B-4CBD-A82C-A1BC36AF63F2}" type="datetimeFigureOut">
               <a:rPr lang="en-US" smtClean="0"/>
-              <a:t>1/14/2019</a:t>
+              <a:t>1/25/2019</a:t>
             </a:fld>
             <a:endParaRPr lang="en-US"/>
           </a:p>
@@ -5148,7 +5153,7 @@
           <a:p>
             <a:fld id="{77A51DAD-568B-4CBD-A82C-A1BC36AF63F2}" type="datetimeFigureOut">
               <a:rPr lang="en-US" smtClean="0"/>
-              <a:t>1/14/2019</a:t>
+              <a:t>1/25/2019</a:t>
             </a:fld>
             <a:endParaRPr lang="en-US"/>
           </a:p>
@@ -5577,7 +5582,7 @@
           <a:p>
             <a:fld id="{77A51DAD-568B-4CBD-A82C-A1BC36AF63F2}" type="datetimeFigureOut">
               <a:rPr lang="en-US" smtClean="0"/>
-              <a:t>1/14/2019</a:t>
+              <a:t>1/25/2019</a:t>
             </a:fld>
             <a:endParaRPr lang="en-US"/>
           </a:p>
@@ -6240,13 +6245,7 @@
       </p:sp>
       <p:pic>
         <p:nvPicPr>
-          <p:cNvPr id="5" name="Content Placeholder 4">
-            <a:extLst>
-              <a:ext uri="{FF2B5EF4-FFF2-40B4-BE49-F238E27FC236}">
-                <a16:creationId xmlns:a16="http://schemas.microsoft.com/office/drawing/2014/main" id="{A917DDF0-564A-4AAB-950A-164084EB70F6}"/>
-              </a:ext>
-            </a:extLst>
-          </p:cNvPr>
+          <p:cNvPr id="7" name="內容版面配置區 6"/>
           <p:cNvPicPr>
             <a:picLocks noGrp="1" noChangeAspect="1"/>
           </p:cNvPicPr>
@@ -6255,7 +6254,7 @@
           </p:nvPr>
         </p:nvPicPr>
         <p:blipFill>
-          <a:blip r:embed="rId2">
+          <a:blip r:embed="rId2" cstate="print">
             <a:extLst>
               <a:ext uri="{28A0092B-C50C-407E-A947-70E740481C1C}">
                 <a14:useLocalDpi xmlns:a14="http://schemas.microsoft.com/office/drawing/2010/main" val="0"/>
@@ -6268,8 +6267,8 @@
         </p:blipFill>
         <p:spPr>
           <a:xfrm>
-            <a:off x="1550024" y="1216842"/>
-            <a:ext cx="7913291" cy="5188440"/>
+            <a:off x="1348485" y="1152983"/>
+            <a:ext cx="9082346" cy="5625886"/>
           </a:xfrm>
         </p:spPr>
       </p:pic>
@@ -6353,8 +6352,8 @@
         </p:blipFill>
         <p:spPr>
           <a:xfrm>
-            <a:off x="1393370" y="1325284"/>
-            <a:ext cx="8144989" cy="5079998"/>
+            <a:off x="1419748" y="1152983"/>
+            <a:ext cx="9000364" cy="5613492"/>
           </a:xfrm>
           <a:prstGeom prst="rect">
             <a:avLst/>
@@ -6421,32 +6420,31 @@
       </p:sp>
       <p:pic>
         <p:nvPicPr>
-          <p:cNvPr id="4" name="Picture 3">
+          <p:cNvPr id="5" name="內容版面配置區 4"/>
+          <p:cNvPicPr>
+            <a:picLocks noGrp="1" noChangeAspect="1"/>
+          </p:cNvPicPr>
+          <p:nvPr>
+            <p:ph idx="1"/>
+          </p:nvPr>
+        </p:nvPicPr>
+        <p:blipFill>
+          <a:blip r:embed="rId2" cstate="print">
             <a:extLst>
-              <a:ext uri="{FF2B5EF4-FFF2-40B4-BE49-F238E27FC236}">
-                <a16:creationId xmlns:a16="http://schemas.microsoft.com/office/drawing/2014/main" id="{8E47B903-FCB2-43BD-A940-4DA1FA6EEFF0}"/>
+              <a:ext uri="{28A0092B-C50C-407E-A947-70E740481C1C}">
+                <a14:useLocalDpi xmlns:a14="http://schemas.microsoft.com/office/drawing/2010/main" val="0"/>
               </a:ext>
             </a:extLst>
-          </p:cNvPr>
-          <p:cNvPicPr>
-            <a:picLocks noChangeAspect="1"/>
-          </p:cNvPicPr>
-          <p:nvPr/>
-        </p:nvPicPr>
-        <p:blipFill>
-          <a:blip r:embed="rId2"/>
+          </a:blip>
           <a:stretch>
             <a:fillRect/>
           </a:stretch>
         </p:blipFill>
         <p:spPr>
           <a:xfrm>
-            <a:off x="792846" y="1281404"/>
-            <a:ext cx="9599383" cy="5123878"/>
+            <a:off x="1872093" y="1152983"/>
+            <a:ext cx="8178741" cy="5631424"/>
           </a:xfrm>
-          <a:prstGeom prst="rect">
-            <a:avLst/>
-          </a:prstGeom>
         </p:spPr>
       </p:pic>
     </p:spTree>
@@ -7348,13 +7346,13 @@
           </p:nvPr>
         </p:nvPicPr>
         <p:blipFill>
-          <a:blip r:embed="rId2">
+          <a:blip r:embed="rId2" cstate="hqprint">
             <a:extLst>
               <a:ext uri="{28A0092B-C50C-407E-A947-70E740481C1C}">
                 <a14:useLocalDpi xmlns:a14="http://schemas.microsoft.com/office/drawing/2010/main" val="0"/>
               </a:ext>
               <a:ext uri="{837473B0-CC2E-450A-ABE3-18F120FF3D39}">
-                <a1611:picAttrSrcUrl xmlns:a1611="http://schemas.microsoft.com/office/drawing/2016/11/main" r:id="rId3"/>
+                <a1611:picAttrSrcUrl xmlns:a1611="http://schemas.microsoft.com/office/drawing/2016/11/main" xmlns="" r:id="rId3"/>
               </a:ext>
             </a:extLst>
           </a:blip>
@@ -8045,7 +8043,7 @@
           <p:nvPr/>
         </p:nvPicPr>
         <p:blipFill>
-          <a:blip r:embed="rId6">
+          <a:blip r:embed="rId6" cstate="hqprint">
             <a:extLst>
               <a:ext uri="{28A0092B-C50C-407E-A947-70E740481C1C}">
                 <a14:useLocalDpi xmlns:a14="http://schemas.microsoft.com/office/drawing/2010/main" val="0"/>
@@ -8696,13 +8694,7 @@
       </p:sp>
       <p:pic>
         <p:nvPicPr>
-          <p:cNvPr id="5" name="Content Placeholder 4">
-            <a:extLst>
-              <a:ext uri="{FF2B5EF4-FFF2-40B4-BE49-F238E27FC236}">
-                <a16:creationId xmlns:a16="http://schemas.microsoft.com/office/drawing/2014/main" id="{D20429ED-CA5D-41B0-9008-EBEC6FA93C0E}"/>
-              </a:ext>
-            </a:extLst>
-          </p:cNvPr>
+          <p:cNvPr id="4" name="內容版面配置區 3"/>
           <p:cNvPicPr>
             <a:picLocks noGrp="1" noChangeAspect="1"/>
           </p:cNvPicPr>
@@ -8711,7 +8703,7 @@
           </p:nvPr>
         </p:nvPicPr>
         <p:blipFill>
-          <a:blip r:embed="rId2">
+          <a:blip r:embed="rId2" cstate="print">
             <a:extLst>
               <a:ext uri="{28A0092B-C50C-407E-A947-70E740481C1C}">
                 <a14:useLocalDpi xmlns:a14="http://schemas.microsoft.com/office/drawing/2010/main" val="0"/>
@@ -8724,8 +8716,8 @@
         </p:blipFill>
         <p:spPr>
           <a:xfrm>
-            <a:off x="1465943" y="1309247"/>
-            <a:ext cx="8057380" cy="5214022"/>
+            <a:off x="1982542" y="1152983"/>
+            <a:ext cx="8453927" cy="5635951"/>
           </a:xfrm>
         </p:spPr>
       </p:pic>
@@ -8789,13 +8781,7 @@
       </p:sp>
       <p:pic>
         <p:nvPicPr>
-          <p:cNvPr id="5" name="Content Placeholder 4">
-            <a:extLst>
-              <a:ext uri="{FF2B5EF4-FFF2-40B4-BE49-F238E27FC236}">
-                <a16:creationId xmlns:a16="http://schemas.microsoft.com/office/drawing/2014/main" id="{8F9B8B0A-CECB-4591-A63B-FB20193BBC82}"/>
-              </a:ext>
-            </a:extLst>
-          </p:cNvPr>
+          <p:cNvPr id="9" name="內容版面配置區 8"/>
           <p:cNvPicPr>
             <a:picLocks noGrp="1" noChangeAspect="1"/>
           </p:cNvPicPr>
@@ -8804,7 +8790,7 @@
           </p:nvPr>
         </p:nvPicPr>
         <p:blipFill>
-          <a:blip r:embed="rId2">
+          <a:blip r:embed="rId2" cstate="print">
             <a:extLst>
               <a:ext uri="{28A0092B-C50C-407E-A947-70E740481C1C}">
                 <a14:useLocalDpi xmlns:a14="http://schemas.microsoft.com/office/drawing/2010/main" val="0"/>
@@ -8817,8 +8803,8 @@
         </p:blipFill>
         <p:spPr>
           <a:xfrm>
-            <a:off x="1480458" y="1273963"/>
-            <a:ext cx="7895728" cy="5263819"/>
+            <a:off x="1330899" y="1152983"/>
+            <a:ext cx="9087985" cy="5629379"/>
           </a:xfrm>
         </p:spPr>
       </p:pic>
@@ -8882,13 +8868,7 @@
       </p:sp>
       <p:pic>
         <p:nvPicPr>
-          <p:cNvPr id="5" name="Content Placeholder 4">
-            <a:extLst>
-              <a:ext uri="{FF2B5EF4-FFF2-40B4-BE49-F238E27FC236}">
-                <a16:creationId xmlns:a16="http://schemas.microsoft.com/office/drawing/2014/main" id="{C2652A1C-5098-4B6B-B1C0-07EFBB7C7987}"/>
-              </a:ext>
-            </a:extLst>
-          </p:cNvPr>
+          <p:cNvPr id="7" name="內容版面配置區 6"/>
           <p:cNvPicPr>
             <a:picLocks noGrp="1" noChangeAspect="1"/>
           </p:cNvPicPr>
@@ -8897,7 +8877,7 @@
           </p:nvPr>
         </p:nvPicPr>
         <p:blipFill>
-          <a:blip r:embed="rId2">
+          <a:blip r:embed="rId2" cstate="print">
             <a:extLst>
               <a:ext uri="{28A0092B-C50C-407E-A947-70E740481C1C}">
                 <a14:useLocalDpi xmlns:a14="http://schemas.microsoft.com/office/drawing/2010/main" val="0"/>
@@ -8910,8 +8890,8 @@
         </p:blipFill>
         <p:spPr>
           <a:xfrm>
-            <a:off x="1547855" y="1337793"/>
-            <a:ext cx="7601234" cy="5067489"/>
+            <a:off x="1348486" y="1152983"/>
+            <a:ext cx="9082346" cy="5625886"/>
           </a:xfrm>
         </p:spPr>
       </p:pic>
@@ -8975,13 +8955,7 @@
       </p:sp>
       <p:pic>
         <p:nvPicPr>
-          <p:cNvPr id="5" name="Content Placeholder 4">
-            <a:extLst>
-              <a:ext uri="{FF2B5EF4-FFF2-40B4-BE49-F238E27FC236}">
-                <a16:creationId xmlns:a16="http://schemas.microsoft.com/office/drawing/2014/main" id="{5B103440-F113-4F9E-9B22-DE18198E8DD3}"/>
-              </a:ext>
-            </a:extLst>
-          </p:cNvPr>
+          <p:cNvPr id="7" name="內容版面配置區 6"/>
           <p:cNvPicPr>
             <a:picLocks noGrp="1" noChangeAspect="1"/>
           </p:cNvPicPr>
@@ -8990,7 +8964,7 @@
           </p:nvPr>
         </p:nvPicPr>
         <p:blipFill>
-          <a:blip r:embed="rId2">
+          <a:blip r:embed="rId2" cstate="print">
             <a:extLst>
               <a:ext uri="{28A0092B-C50C-407E-A947-70E740481C1C}">
                 <a14:useLocalDpi xmlns:a14="http://schemas.microsoft.com/office/drawing/2010/main" val="0"/>
@@ -9003,8 +8977,8 @@
         </p:blipFill>
         <p:spPr>
           <a:xfrm>
-            <a:off x="1523999" y="1257549"/>
-            <a:ext cx="7895771" cy="5147733"/>
+            <a:off x="1357278" y="1152983"/>
+            <a:ext cx="9068152" cy="5617094"/>
           </a:xfrm>
         </p:spPr>
       </p:pic>

--- a/Team Cinco.pptx
+++ b/Team Cinco.pptx
@@ -317,7 +317,7 @@
           <a:p>
             <a:fld id="{77A51DAD-568B-4CBD-A82C-A1BC36AF63F2}" type="datetimeFigureOut">
               <a:rPr lang="en-US" smtClean="0"/>
-              <a:t>1/25/2019</a:t>
+              <a:t>1/26/2019</a:t>
             </a:fld>
             <a:endParaRPr lang="en-US"/>
           </a:p>
@@ -592,7 +592,7 @@
           <a:p>
             <a:fld id="{77A51DAD-568B-4CBD-A82C-A1BC36AF63F2}" type="datetimeFigureOut">
               <a:rPr lang="en-US" smtClean="0"/>
-              <a:t>1/25/2019</a:t>
+              <a:t>1/26/2019</a:t>
             </a:fld>
             <a:endParaRPr lang="en-US"/>
           </a:p>
@@ -786,7 +786,7 @@
           <a:p>
             <a:fld id="{77A51DAD-568B-4CBD-A82C-A1BC36AF63F2}" type="datetimeFigureOut">
               <a:rPr lang="en-US" smtClean="0"/>
-              <a:t>1/25/2019</a:t>
+              <a:t>1/26/2019</a:t>
             </a:fld>
             <a:endParaRPr lang="en-US"/>
           </a:p>
@@ -1059,7 +1059,7 @@
           <a:p>
             <a:fld id="{77A51DAD-568B-4CBD-A82C-A1BC36AF63F2}" type="datetimeFigureOut">
               <a:rPr lang="en-US" smtClean="0"/>
-              <a:t>1/25/2019</a:t>
+              <a:t>1/26/2019</a:t>
             </a:fld>
             <a:endParaRPr lang="en-US"/>
           </a:p>
@@ -1400,7 +1400,7 @@
           <a:p>
             <a:fld id="{77A51DAD-568B-4CBD-A82C-A1BC36AF63F2}" type="datetimeFigureOut">
               <a:rPr lang="en-US" smtClean="0"/>
-              <a:t>1/25/2019</a:t>
+              <a:t>1/26/2019</a:t>
             </a:fld>
             <a:endParaRPr lang="en-US"/>
           </a:p>
@@ -2023,7 +2023,7 @@
           <a:p>
             <a:fld id="{77A51DAD-568B-4CBD-A82C-A1BC36AF63F2}" type="datetimeFigureOut">
               <a:rPr lang="en-US" smtClean="0"/>
-              <a:t>1/25/2019</a:t>
+              <a:t>1/26/2019</a:t>
             </a:fld>
             <a:endParaRPr lang="en-US"/>
           </a:p>
@@ -2883,7 +2883,7 @@
           <a:p>
             <a:fld id="{77A51DAD-568B-4CBD-A82C-A1BC36AF63F2}" type="datetimeFigureOut">
               <a:rPr lang="en-US" smtClean="0"/>
-              <a:t>1/25/2019</a:t>
+              <a:t>1/26/2019</a:t>
             </a:fld>
             <a:endParaRPr lang="en-US"/>
           </a:p>
@@ -3053,7 +3053,7 @@
           <a:p>
             <a:fld id="{77A51DAD-568B-4CBD-A82C-A1BC36AF63F2}" type="datetimeFigureOut">
               <a:rPr lang="en-US" smtClean="0"/>
-              <a:t>1/25/2019</a:t>
+              <a:t>1/26/2019</a:t>
             </a:fld>
             <a:endParaRPr lang="en-US"/>
           </a:p>
@@ -3233,7 +3233,7 @@
           <a:p>
             <a:fld id="{77A51DAD-568B-4CBD-A82C-A1BC36AF63F2}" type="datetimeFigureOut">
               <a:rPr lang="en-US" smtClean="0"/>
-              <a:t>1/25/2019</a:t>
+              <a:t>1/26/2019</a:t>
             </a:fld>
             <a:endParaRPr lang="en-US"/>
           </a:p>
@@ -3403,7 +3403,7 @@
           <a:p>
             <a:fld id="{77A51DAD-568B-4CBD-A82C-A1BC36AF63F2}" type="datetimeFigureOut">
               <a:rPr lang="en-US" smtClean="0"/>
-              <a:t>1/25/2019</a:t>
+              <a:t>1/26/2019</a:t>
             </a:fld>
             <a:endParaRPr lang="en-US"/>
           </a:p>
@@ -3650,7 +3650,7 @@
           <a:p>
             <a:fld id="{77A51DAD-568B-4CBD-A82C-A1BC36AF63F2}" type="datetimeFigureOut">
               <a:rPr lang="en-US" smtClean="0"/>
-              <a:t>1/25/2019</a:t>
+              <a:t>1/26/2019</a:t>
             </a:fld>
             <a:endParaRPr lang="en-US"/>
           </a:p>
@@ -3942,7 +3942,7 @@
           <a:p>
             <a:fld id="{77A51DAD-568B-4CBD-A82C-A1BC36AF63F2}" type="datetimeFigureOut">
               <a:rPr lang="en-US" smtClean="0"/>
-              <a:t>1/25/2019</a:t>
+              <a:t>1/26/2019</a:t>
             </a:fld>
             <a:endParaRPr lang="en-US"/>
           </a:p>
@@ -4386,7 +4386,7 @@
           <a:p>
             <a:fld id="{77A51DAD-568B-4CBD-A82C-A1BC36AF63F2}" type="datetimeFigureOut">
               <a:rPr lang="en-US" smtClean="0"/>
-              <a:t>1/25/2019</a:t>
+              <a:t>1/26/2019</a:t>
             </a:fld>
             <a:endParaRPr lang="en-US"/>
           </a:p>
@@ -4504,7 +4504,7 @@
           <a:p>
             <a:fld id="{77A51DAD-568B-4CBD-A82C-A1BC36AF63F2}" type="datetimeFigureOut">
               <a:rPr lang="en-US" smtClean="0"/>
-              <a:t>1/25/2019</a:t>
+              <a:t>1/26/2019</a:t>
             </a:fld>
             <a:endParaRPr lang="en-US"/>
           </a:p>
@@ -4599,7 +4599,7 @@
           <a:p>
             <a:fld id="{77A51DAD-568B-4CBD-A82C-A1BC36AF63F2}" type="datetimeFigureOut">
               <a:rPr lang="en-US" smtClean="0"/>
-              <a:t>1/25/2019</a:t>
+              <a:t>1/26/2019</a:t>
             </a:fld>
             <a:endParaRPr lang="en-US"/>
           </a:p>
@@ -4878,7 +4878,7 @@
           <a:p>
             <a:fld id="{77A51DAD-568B-4CBD-A82C-A1BC36AF63F2}" type="datetimeFigureOut">
               <a:rPr lang="en-US" smtClean="0"/>
-              <a:t>1/25/2019</a:t>
+              <a:t>1/26/2019</a:t>
             </a:fld>
             <a:endParaRPr lang="en-US"/>
           </a:p>
@@ -5153,7 +5153,7 @@
           <a:p>
             <a:fld id="{77A51DAD-568B-4CBD-A82C-A1BC36AF63F2}" type="datetimeFigureOut">
               <a:rPr lang="en-US" smtClean="0"/>
-              <a:t>1/25/2019</a:t>
+              <a:t>1/26/2019</a:t>
             </a:fld>
             <a:endParaRPr lang="en-US"/>
           </a:p>
@@ -5582,7 +5582,7 @@
           <a:p>
             <a:fld id="{77A51DAD-568B-4CBD-A82C-A1BC36AF63F2}" type="datetimeFigureOut">
               <a:rPr lang="en-US" smtClean="0"/>
-              <a:t>1/25/2019</a:t>
+              <a:t>1/26/2019</a:t>
             </a:fld>
             <a:endParaRPr lang="en-US"/>
           </a:p>
@@ -6634,7 +6634,7 @@
             </a:pPr>
             <a:r>
               <a:rPr lang="en-US" sz="3200" dirty="0"/>
-              <a:t>Chicago – 0.11%</a:t>
+              <a:t>Chicago – 11%</a:t>
             </a:r>
           </a:p>
           <a:p>
@@ -6644,7 +6644,7 @@
             </a:pPr>
             <a:r>
               <a:rPr lang="en-US" sz="3200" dirty="0"/>
-              <a:t>Austin – 0.09%</a:t>
+              <a:t>Austin – 9%</a:t>
             </a:r>
           </a:p>
           <a:p>
@@ -6654,7 +6654,7 @@
             </a:pPr>
             <a:r>
               <a:rPr lang="en-US" sz="3200" dirty="0"/>
-              <a:t>Boston – 0.07%</a:t>
+              <a:t>Boston – 7%</a:t>
             </a:r>
           </a:p>
           <a:p>
@@ -6664,7 +6664,7 @@
             </a:pPr>
             <a:r>
               <a:rPr lang="en-US" sz="3200" dirty="0"/>
-              <a:t>Seattle – 0.05%</a:t>
+              <a:t>Seattle – 5%</a:t>
             </a:r>
           </a:p>
           <a:p>
@@ -6674,7 +6674,7 @@
             </a:pPr>
             <a:r>
               <a:rPr lang="en-US" sz="3200" dirty="0"/>
-              <a:t>San Diego – 0.05%</a:t>
+              <a:t>San Diego – 5%</a:t>
             </a:r>
           </a:p>
         </p:txBody>
@@ -7352,7 +7352,7 @@
                 <a14:useLocalDpi xmlns:a14="http://schemas.microsoft.com/office/drawing/2010/main" val="0"/>
               </a:ext>
               <a:ext uri="{837473B0-CC2E-450A-ABE3-18F120FF3D39}">
-                <a1611:picAttrSrcUrl xmlns:a1611="http://schemas.microsoft.com/office/drawing/2016/11/main" xmlns="" r:id="rId3"/>
+                <a1611:picAttrSrcUrl xmlns:a1611="http://schemas.microsoft.com/office/drawing/2016/11/main" r:id="rId3"/>
               </a:ext>
             </a:extLst>
           </a:blip>
